--- a/notes.pptx
+++ b/notes.pptx
@@ -19,6 +19,14 @@
     <p:sldId id="267" r:id="rId13"/>
     <p:sldId id="268" r:id="rId14"/>
     <p:sldId id="269" r:id="rId15"/>
+    <p:sldId id="270" r:id="rId16"/>
+    <p:sldId id="271" r:id="rId17"/>
+    <p:sldId id="272" r:id="rId18"/>
+    <p:sldId id="273" r:id="rId19"/>
+    <p:sldId id="274" r:id="rId20"/>
+    <p:sldId id="277" r:id="rId21"/>
+    <p:sldId id="275" r:id="rId22"/>
+    <p:sldId id="276" r:id="rId23"/>
   </p:sldIdLst>
   <p:sldSz cx="12192000" cy="6858000"/>
   <p:notesSz cx="6858000" cy="9144000"/>
@@ -136,6 +144,14 @@
             <p14:sldId id="267"/>
             <p14:sldId id="268"/>
             <p14:sldId id="269"/>
+            <p14:sldId id="270"/>
+            <p14:sldId id="271"/>
+            <p14:sldId id="272"/>
+            <p14:sldId id="273"/>
+            <p14:sldId id="274"/>
+            <p14:sldId id="277"/>
+            <p14:sldId id="275"/>
+            <p14:sldId id="276"/>
           </p14:sldIdLst>
         </p14:section>
       </p14:sectionLst>
@@ -278,7 +294,7 @@
           <a:p>
             <a:fld id="{33C4EBBD-B2EC-4B96-9D18-3ED46E6DD89E}" type="datetimeFigureOut">
               <a:rPr lang="fr-FR" smtClean="0"/>
-              <a:t>05/07/2023</a:t>
+              <a:t>07/07/2023</a:t>
             </a:fld>
             <a:endParaRPr lang="fr-FR"/>
           </a:p>
@@ -448,7 +464,7 @@
           <a:p>
             <a:fld id="{33C4EBBD-B2EC-4B96-9D18-3ED46E6DD89E}" type="datetimeFigureOut">
               <a:rPr lang="fr-FR" smtClean="0"/>
-              <a:t>05/07/2023</a:t>
+              <a:t>07/07/2023</a:t>
             </a:fld>
             <a:endParaRPr lang="fr-FR"/>
           </a:p>
@@ -628,7 +644,7 @@
           <a:p>
             <a:fld id="{33C4EBBD-B2EC-4B96-9D18-3ED46E6DD89E}" type="datetimeFigureOut">
               <a:rPr lang="fr-FR" smtClean="0"/>
-              <a:t>05/07/2023</a:t>
+              <a:t>07/07/2023</a:t>
             </a:fld>
             <a:endParaRPr lang="fr-FR"/>
           </a:p>
@@ -798,7 +814,7 @@
           <a:p>
             <a:fld id="{33C4EBBD-B2EC-4B96-9D18-3ED46E6DD89E}" type="datetimeFigureOut">
               <a:rPr lang="fr-FR" smtClean="0"/>
-              <a:t>05/07/2023</a:t>
+              <a:t>07/07/2023</a:t>
             </a:fld>
             <a:endParaRPr lang="fr-FR"/>
           </a:p>
@@ -1044,7 +1060,7 @@
           <a:p>
             <a:fld id="{33C4EBBD-B2EC-4B96-9D18-3ED46E6DD89E}" type="datetimeFigureOut">
               <a:rPr lang="fr-FR" smtClean="0"/>
-              <a:t>05/07/2023</a:t>
+              <a:t>07/07/2023</a:t>
             </a:fld>
             <a:endParaRPr lang="fr-FR"/>
           </a:p>
@@ -1276,7 +1292,7 @@
           <a:p>
             <a:fld id="{33C4EBBD-B2EC-4B96-9D18-3ED46E6DD89E}" type="datetimeFigureOut">
               <a:rPr lang="fr-FR" smtClean="0"/>
-              <a:t>05/07/2023</a:t>
+              <a:t>07/07/2023</a:t>
             </a:fld>
             <a:endParaRPr lang="fr-FR"/>
           </a:p>
@@ -1643,7 +1659,7 @@
           <a:p>
             <a:fld id="{33C4EBBD-B2EC-4B96-9D18-3ED46E6DD89E}" type="datetimeFigureOut">
               <a:rPr lang="fr-FR" smtClean="0"/>
-              <a:t>05/07/2023</a:t>
+              <a:t>07/07/2023</a:t>
             </a:fld>
             <a:endParaRPr lang="fr-FR"/>
           </a:p>
@@ -1761,7 +1777,7 @@
           <a:p>
             <a:fld id="{33C4EBBD-B2EC-4B96-9D18-3ED46E6DD89E}" type="datetimeFigureOut">
               <a:rPr lang="fr-FR" smtClean="0"/>
-              <a:t>05/07/2023</a:t>
+              <a:t>07/07/2023</a:t>
             </a:fld>
             <a:endParaRPr lang="fr-FR"/>
           </a:p>
@@ -1856,7 +1872,7 @@
           <a:p>
             <a:fld id="{33C4EBBD-B2EC-4B96-9D18-3ED46E6DD89E}" type="datetimeFigureOut">
               <a:rPr lang="fr-FR" smtClean="0"/>
-              <a:t>05/07/2023</a:t>
+              <a:t>07/07/2023</a:t>
             </a:fld>
             <a:endParaRPr lang="fr-FR"/>
           </a:p>
@@ -2133,7 +2149,7 @@
           <a:p>
             <a:fld id="{33C4EBBD-B2EC-4B96-9D18-3ED46E6DD89E}" type="datetimeFigureOut">
               <a:rPr lang="fr-FR" smtClean="0"/>
-              <a:t>05/07/2023</a:t>
+              <a:t>07/07/2023</a:t>
             </a:fld>
             <a:endParaRPr lang="fr-FR"/>
           </a:p>
@@ -2386,7 +2402,7 @@
           <a:p>
             <a:fld id="{33C4EBBD-B2EC-4B96-9D18-3ED46E6DD89E}" type="datetimeFigureOut">
               <a:rPr lang="fr-FR" smtClean="0"/>
-              <a:t>05/07/2023</a:t>
+              <a:t>07/07/2023</a:t>
             </a:fld>
             <a:endParaRPr lang="fr-FR"/>
           </a:p>
@@ -2599,7 +2615,7 @@
           <a:p>
             <a:fld id="{33C4EBBD-B2EC-4B96-9D18-3ED46E6DD89E}" type="datetimeFigureOut">
               <a:rPr lang="fr-FR" smtClean="0"/>
-              <a:t>05/07/2023</a:t>
+              <a:t>07/07/2023</a:t>
             </a:fld>
             <a:endParaRPr lang="fr-FR"/>
           </a:p>
@@ -6787,6 +6803,2728 @@
 </p:sld>
 </file>
 
+<file path=ppt/slides/slide15.xml><?xml version="1.0" encoding="utf-8"?>
+<p:sld xmlns:a="http://schemas.openxmlformats.org/drawingml/2006/main" xmlns:r="http://schemas.openxmlformats.org/officeDocument/2006/relationships" xmlns:p="http://schemas.openxmlformats.org/presentationml/2006/main">
+  <p:cSld>
+    <p:spTree>
+      <p:nvGrpSpPr>
+        <p:cNvPr id="1" name=""/>
+        <p:cNvGrpSpPr/>
+        <p:nvPr/>
+      </p:nvGrpSpPr>
+      <p:grpSpPr>
+        <a:xfrm>
+          <a:off x="0" y="0"/>
+          <a:ext cx="0" cy="0"/>
+          <a:chOff x="0" y="0"/>
+          <a:chExt cx="0" cy="0"/>
+        </a:xfrm>
+      </p:grpSpPr>
+      <p:sp>
+        <p:nvSpPr>
+          <p:cNvPr id="2" name="Titre 1"/>
+          <p:cNvSpPr>
+            <a:spLocks noGrp="1"/>
+          </p:cNvSpPr>
+          <p:nvPr>
+            <p:ph type="title"/>
+          </p:nvPr>
+        </p:nvSpPr>
+        <p:spPr/>
+        <p:txBody>
+          <a:bodyPr/>
+          <a:lstStyle/>
+          <a:p>
+            <a:r>
+              <a:rPr lang="fr-FR" dirty="0" err="1" smtClean="0"/>
+              <a:t>lazy</a:t>
+            </a:r>
+            <a:r>
+              <a:rPr lang="fr-FR" dirty="0" smtClean="0"/>
+              <a:t> </a:t>
+            </a:r>
+            <a:r>
+              <a:rPr lang="fr-FR" dirty="0" err="1" smtClean="0"/>
+              <a:t>loading</a:t>
+            </a:r>
+            <a:endParaRPr lang="fr-FR" dirty="0"/>
+          </a:p>
+        </p:txBody>
+      </p:sp>
+      <p:cxnSp>
+        <p:nvCxnSpPr>
+          <p:cNvPr id="5" name="Connecteur droit avec flèche 4"/>
+          <p:cNvCxnSpPr/>
+          <p:nvPr/>
+        </p:nvCxnSpPr>
+        <p:spPr>
+          <a:xfrm>
+            <a:off x="329184" y="2322576"/>
+            <a:ext cx="11539728" cy="27432"/>
+          </a:xfrm>
+          <a:prstGeom prst="straightConnector1">
+            <a:avLst/>
+          </a:prstGeom>
+          <a:ln w="76200">
+            <a:tailEnd type="triangle"/>
+          </a:ln>
+        </p:spPr>
+        <p:style>
+          <a:lnRef idx="1">
+            <a:schemeClr val="accent1"/>
+          </a:lnRef>
+          <a:fillRef idx="0">
+            <a:schemeClr val="accent1"/>
+          </a:fillRef>
+          <a:effectRef idx="0">
+            <a:schemeClr val="accent1"/>
+          </a:effectRef>
+          <a:fontRef idx="minor">
+            <a:schemeClr val="tx1"/>
+          </a:fontRef>
+        </p:style>
+      </p:cxnSp>
+      <p:cxnSp>
+        <p:nvCxnSpPr>
+          <p:cNvPr id="7" name="Connecteur droit 6"/>
+          <p:cNvCxnSpPr/>
+          <p:nvPr/>
+        </p:nvCxnSpPr>
+        <p:spPr>
+          <a:xfrm>
+            <a:off x="758952" y="2121408"/>
+            <a:ext cx="0" cy="548640"/>
+          </a:xfrm>
+          <a:prstGeom prst="line">
+            <a:avLst/>
+          </a:prstGeom>
+          <a:ln w="76200"/>
+        </p:spPr>
+        <p:style>
+          <a:lnRef idx="1">
+            <a:schemeClr val="accent1"/>
+          </a:lnRef>
+          <a:fillRef idx="0">
+            <a:schemeClr val="accent1"/>
+          </a:fillRef>
+          <a:effectRef idx="0">
+            <a:schemeClr val="accent1"/>
+          </a:effectRef>
+          <a:fontRef idx="minor">
+            <a:schemeClr val="tx1"/>
+          </a:fontRef>
+        </p:style>
+      </p:cxnSp>
+      <p:sp>
+        <p:nvSpPr>
+          <p:cNvPr id="8" name="ZoneTexte 7"/>
+          <p:cNvSpPr txBox="1"/>
+          <p:nvPr/>
+        </p:nvSpPr>
+        <p:spPr>
+          <a:xfrm>
+            <a:off x="1133856" y="1828800"/>
+            <a:ext cx="750526" cy="369332"/>
+          </a:xfrm>
+          <a:prstGeom prst="rect">
+            <a:avLst/>
+          </a:prstGeom>
+          <a:noFill/>
+        </p:spPr>
+        <p:txBody>
+          <a:bodyPr wrap="none" rtlCol="0">
+            <a:spAutoFit/>
+          </a:bodyPr>
+          <a:lstStyle/>
+          <a:p>
+            <a:r>
+              <a:rPr lang="fr-FR" dirty="0" smtClean="0"/>
+              <a:t>Home</a:t>
+            </a:r>
+            <a:endParaRPr lang="fr-FR" dirty="0"/>
+          </a:p>
+        </p:txBody>
+      </p:sp>
+      <p:cxnSp>
+        <p:nvCxnSpPr>
+          <p:cNvPr id="10" name="Connecteur droit 9"/>
+          <p:cNvCxnSpPr/>
+          <p:nvPr/>
+        </p:nvCxnSpPr>
+        <p:spPr>
+          <a:xfrm>
+            <a:off x="2331720" y="2121408"/>
+            <a:ext cx="0" cy="658368"/>
+          </a:xfrm>
+          <a:prstGeom prst="line">
+            <a:avLst/>
+          </a:prstGeom>
+          <a:ln w="76200"/>
+        </p:spPr>
+        <p:style>
+          <a:lnRef idx="1">
+            <a:schemeClr val="accent1"/>
+          </a:lnRef>
+          <a:fillRef idx="0">
+            <a:schemeClr val="accent1"/>
+          </a:fillRef>
+          <a:effectRef idx="0">
+            <a:schemeClr val="accent1"/>
+          </a:effectRef>
+          <a:fontRef idx="minor">
+            <a:schemeClr val="tx1"/>
+          </a:fontRef>
+        </p:style>
+      </p:cxnSp>
+      <p:sp>
+        <p:nvSpPr>
+          <p:cNvPr id="11" name="ZoneTexte 10"/>
+          <p:cNvSpPr txBox="1"/>
+          <p:nvPr/>
+        </p:nvSpPr>
+        <p:spPr>
+          <a:xfrm>
+            <a:off x="2779059" y="1852660"/>
+            <a:ext cx="688971" cy="369332"/>
+          </a:xfrm>
+          <a:prstGeom prst="rect">
+            <a:avLst/>
+          </a:prstGeom>
+          <a:noFill/>
+        </p:spPr>
+        <p:txBody>
+          <a:bodyPr wrap="none" rtlCol="0">
+            <a:spAutoFit/>
+          </a:bodyPr>
+          <a:lstStyle/>
+          <a:p>
+            <a:r>
+              <a:rPr lang="fr-FR" dirty="0" smtClean="0"/>
+              <a:t>Stock</a:t>
+            </a:r>
+            <a:endParaRPr lang="fr-FR" dirty="0"/>
+          </a:p>
+        </p:txBody>
+      </p:sp>
+      <p:sp>
+        <p:nvSpPr>
+          <p:cNvPr id="12" name="ZoneTexte 11"/>
+          <p:cNvSpPr txBox="1"/>
+          <p:nvPr/>
+        </p:nvSpPr>
+        <p:spPr>
+          <a:xfrm>
+            <a:off x="277531" y="2826614"/>
+            <a:ext cx="856325" cy="369332"/>
+          </a:xfrm>
+          <a:prstGeom prst="rect">
+            <a:avLst/>
+          </a:prstGeom>
+          <a:noFill/>
+        </p:spPr>
+        <p:txBody>
+          <a:bodyPr wrap="none" rtlCol="0">
+            <a:spAutoFit/>
+          </a:bodyPr>
+          <a:lstStyle/>
+          <a:p>
+            <a:r>
+              <a:rPr lang="fr-FR" dirty="0" err="1" smtClean="0"/>
+              <a:t>main.js</a:t>
+            </a:r>
+            <a:endParaRPr lang="fr-FR" dirty="0"/>
+          </a:p>
+        </p:txBody>
+      </p:sp>
+      <p:sp>
+        <p:nvSpPr>
+          <p:cNvPr id="13" name="ZoneTexte 12"/>
+          <p:cNvSpPr txBox="1"/>
+          <p:nvPr/>
+        </p:nvSpPr>
+        <p:spPr>
+          <a:xfrm>
+            <a:off x="1185016" y="2981896"/>
+            <a:ext cx="872355" cy="369332"/>
+          </a:xfrm>
+          <a:prstGeom prst="rect">
+            <a:avLst/>
+          </a:prstGeom>
+          <a:noFill/>
+        </p:spPr>
+        <p:txBody>
+          <a:bodyPr wrap="none" rtlCol="0">
+            <a:spAutoFit/>
+          </a:bodyPr>
+          <a:lstStyle/>
+          <a:p>
+            <a:r>
+              <a:rPr lang="fr-FR" dirty="0" err="1" smtClean="0"/>
+              <a:t>stock.js</a:t>
+            </a:r>
+            <a:endParaRPr lang="fr-FR" dirty="0"/>
+          </a:p>
+        </p:txBody>
+      </p:sp>
+      <p:cxnSp>
+        <p:nvCxnSpPr>
+          <p:cNvPr id="15" name="Connecteur droit 14"/>
+          <p:cNvCxnSpPr>
+            <a:stCxn id="8" idx="1"/>
+          </p:cNvCxnSpPr>
+          <p:nvPr/>
+        </p:nvCxnSpPr>
+        <p:spPr>
+          <a:xfrm>
+            <a:off x="1133856" y="2013466"/>
+            <a:ext cx="0" cy="840414"/>
+          </a:xfrm>
+          <a:prstGeom prst="line">
+            <a:avLst/>
+          </a:prstGeom>
+          <a:ln/>
+        </p:spPr>
+        <p:style>
+          <a:lnRef idx="3">
+            <a:schemeClr val="accent2"/>
+          </a:lnRef>
+          <a:fillRef idx="0">
+            <a:schemeClr val="accent2"/>
+          </a:fillRef>
+          <a:effectRef idx="2">
+            <a:schemeClr val="accent2"/>
+          </a:effectRef>
+          <a:fontRef idx="minor">
+            <a:schemeClr val="tx1"/>
+          </a:fontRef>
+        </p:style>
+      </p:cxnSp>
+    </p:spTree>
+    <p:extLst>
+      <p:ext uri="{BB962C8B-B14F-4D97-AF65-F5344CB8AC3E}">
+        <p14:creationId xmlns:p14="http://schemas.microsoft.com/office/powerpoint/2010/main" val="1819717006"/>
+      </p:ext>
+    </p:extLst>
+  </p:cSld>
+  <p:clrMapOvr>
+    <a:masterClrMapping/>
+  </p:clrMapOvr>
+</p:sld>
+</file>
+
+<file path=ppt/slides/slide16.xml><?xml version="1.0" encoding="utf-8"?>
+<p:sld xmlns:a="http://schemas.openxmlformats.org/drawingml/2006/main" xmlns:r="http://schemas.openxmlformats.org/officeDocument/2006/relationships" xmlns:p="http://schemas.openxmlformats.org/presentationml/2006/main">
+  <p:cSld>
+    <p:spTree>
+      <p:nvGrpSpPr>
+        <p:cNvPr id="1" name=""/>
+        <p:cNvGrpSpPr/>
+        <p:nvPr/>
+      </p:nvGrpSpPr>
+      <p:grpSpPr>
+        <a:xfrm>
+          <a:off x="0" y="0"/>
+          <a:ext cx="0" cy="0"/>
+          <a:chOff x="0" y="0"/>
+          <a:chExt cx="0" cy="0"/>
+        </a:xfrm>
+      </p:grpSpPr>
+      <p:sp>
+        <p:nvSpPr>
+          <p:cNvPr id="2" name="Titre 1"/>
+          <p:cNvSpPr>
+            <a:spLocks noGrp="1"/>
+          </p:cNvSpPr>
+          <p:nvPr>
+            <p:ph type="title"/>
+          </p:nvPr>
+        </p:nvSpPr>
+        <p:spPr/>
+        <p:txBody>
+          <a:bodyPr/>
+          <a:lstStyle/>
+          <a:p>
+            <a:r>
+              <a:rPr lang="fr-FR" dirty="0" smtClean="0"/>
+              <a:t>observable</a:t>
+            </a:r>
+            <a:endParaRPr lang="fr-FR" dirty="0"/>
+          </a:p>
+        </p:txBody>
+      </p:sp>
+      <p:cxnSp>
+        <p:nvCxnSpPr>
+          <p:cNvPr id="5" name="Connecteur droit avec flèche 4"/>
+          <p:cNvCxnSpPr/>
+          <p:nvPr/>
+        </p:nvCxnSpPr>
+        <p:spPr>
+          <a:xfrm flipV="1">
+            <a:off x="310896" y="2267712"/>
+            <a:ext cx="11667744" cy="18288"/>
+          </a:xfrm>
+          <a:prstGeom prst="straightConnector1">
+            <a:avLst/>
+          </a:prstGeom>
+          <a:ln w="76200">
+            <a:tailEnd type="triangle"/>
+          </a:ln>
+        </p:spPr>
+        <p:style>
+          <a:lnRef idx="1">
+            <a:schemeClr val="accent1"/>
+          </a:lnRef>
+          <a:fillRef idx="0">
+            <a:schemeClr val="accent1"/>
+          </a:fillRef>
+          <a:effectRef idx="0">
+            <a:schemeClr val="accent1"/>
+          </a:effectRef>
+          <a:fontRef idx="minor">
+            <a:schemeClr val="tx1"/>
+          </a:fontRef>
+        </p:style>
+      </p:cxnSp>
+      <p:cxnSp>
+        <p:nvCxnSpPr>
+          <p:cNvPr id="7" name="Connecteur droit 6"/>
+          <p:cNvCxnSpPr/>
+          <p:nvPr/>
+        </p:nvCxnSpPr>
+        <p:spPr>
+          <a:xfrm flipH="1">
+            <a:off x="731520" y="2020824"/>
+            <a:ext cx="9144" cy="704088"/>
+          </a:xfrm>
+          <a:prstGeom prst="line">
+            <a:avLst/>
+          </a:prstGeom>
+          <a:ln w="76200"/>
+        </p:spPr>
+        <p:style>
+          <a:lnRef idx="1">
+            <a:schemeClr val="accent1"/>
+          </a:lnRef>
+          <a:fillRef idx="0">
+            <a:schemeClr val="accent1"/>
+          </a:fillRef>
+          <a:effectRef idx="0">
+            <a:schemeClr val="accent1"/>
+          </a:effectRef>
+          <a:fontRef idx="minor">
+            <a:schemeClr val="tx1"/>
+          </a:fontRef>
+        </p:style>
+      </p:cxnSp>
+      <p:sp>
+        <p:nvSpPr>
+          <p:cNvPr id="8" name="ZoneTexte 7"/>
+          <p:cNvSpPr txBox="1"/>
+          <p:nvPr/>
+        </p:nvSpPr>
+        <p:spPr>
+          <a:xfrm>
+            <a:off x="7453884" y="374332"/>
+            <a:ext cx="4049891" cy="923330"/>
+          </a:xfrm>
+          <a:prstGeom prst="rect">
+            <a:avLst/>
+          </a:prstGeom>
+          <a:noFill/>
+        </p:spPr>
+        <p:txBody>
+          <a:bodyPr wrap="none" rtlCol="0">
+            <a:spAutoFit/>
+          </a:bodyPr>
+          <a:lstStyle/>
+          <a:p>
+            <a:r>
+              <a:rPr lang="fr-FR" dirty="0" err="1" smtClean="0"/>
+              <a:t>const</a:t>
+            </a:r>
+            <a:r>
+              <a:rPr lang="fr-FR" dirty="0" smtClean="0"/>
+              <a:t> o = new Observable(</a:t>
+            </a:r>
+            <a:r>
+              <a:rPr lang="fr-FR" dirty="0" err="1" smtClean="0"/>
+              <a:t>subscriber</a:t>
+            </a:r>
+            <a:r>
+              <a:rPr lang="fr-FR" dirty="0" smtClean="0"/>
+              <a:t> =&gt; {</a:t>
+            </a:r>
+          </a:p>
+          <a:p>
+            <a:endParaRPr lang="fr-FR" dirty="0" smtClean="0"/>
+          </a:p>
+          <a:p>
+            <a:r>
+              <a:rPr lang="fr-FR" dirty="0"/>
+              <a:t>}</a:t>
+            </a:r>
+            <a:r>
+              <a:rPr lang="fr-FR" dirty="0" smtClean="0"/>
+              <a:t>)</a:t>
+            </a:r>
+            <a:endParaRPr lang="fr-FR" dirty="0"/>
+          </a:p>
+        </p:txBody>
+      </p:sp>
+      <p:sp>
+        <p:nvSpPr>
+          <p:cNvPr id="9" name="ZoneTexte 8"/>
+          <p:cNvSpPr txBox="1"/>
+          <p:nvPr/>
+        </p:nvSpPr>
+        <p:spPr>
+          <a:xfrm>
+            <a:off x="466344" y="2880360"/>
+            <a:ext cx="1395382" cy="369332"/>
+          </a:xfrm>
+          <a:prstGeom prst="rect">
+            <a:avLst/>
+          </a:prstGeom>
+          <a:noFill/>
+        </p:spPr>
+        <p:txBody>
+          <a:bodyPr wrap="none" rtlCol="0">
+            <a:spAutoFit/>
+          </a:bodyPr>
+          <a:lstStyle/>
+          <a:p>
+            <a:r>
+              <a:rPr lang="fr-FR" dirty="0" err="1" smtClean="0"/>
+              <a:t>o.subscribe</a:t>
+            </a:r>
+            <a:r>
+              <a:rPr lang="fr-FR" dirty="0" smtClean="0"/>
+              <a:t>()</a:t>
+            </a:r>
+            <a:endParaRPr lang="fr-FR" dirty="0"/>
+          </a:p>
+        </p:txBody>
+      </p:sp>
+      <p:sp>
+        <p:nvSpPr>
+          <p:cNvPr id="10" name="Ellipse 9"/>
+          <p:cNvSpPr/>
+          <p:nvPr/>
+        </p:nvSpPr>
+        <p:spPr>
+          <a:xfrm>
+            <a:off x="2432304" y="2020824"/>
+            <a:ext cx="502920" cy="521208"/>
+          </a:xfrm>
+          <a:prstGeom prst="ellipse">
+            <a:avLst/>
+          </a:prstGeom>
+        </p:spPr>
+        <p:style>
+          <a:lnRef idx="2">
+            <a:schemeClr val="accent1">
+              <a:shade val="50000"/>
+            </a:schemeClr>
+          </a:lnRef>
+          <a:fillRef idx="1">
+            <a:schemeClr val="accent1"/>
+          </a:fillRef>
+          <a:effectRef idx="0">
+            <a:schemeClr val="accent1"/>
+          </a:effectRef>
+          <a:fontRef idx="minor">
+            <a:schemeClr val="lt1"/>
+          </a:fontRef>
+        </p:style>
+        <p:txBody>
+          <a:bodyPr rtlCol="0" anchor="ctr"/>
+          <a:lstStyle/>
+          <a:p>
+            <a:pPr algn="ctr"/>
+            <a:endParaRPr lang="fr-FR"/>
+          </a:p>
+        </p:txBody>
+      </p:sp>
+      <p:sp>
+        <p:nvSpPr>
+          <p:cNvPr id="11" name="Ellipse 10"/>
+          <p:cNvSpPr/>
+          <p:nvPr/>
+        </p:nvSpPr>
+        <p:spPr>
+          <a:xfrm>
+            <a:off x="3947160" y="2007108"/>
+            <a:ext cx="502920" cy="521208"/>
+          </a:xfrm>
+          <a:prstGeom prst="ellipse">
+            <a:avLst/>
+          </a:prstGeom>
+        </p:spPr>
+        <p:style>
+          <a:lnRef idx="2">
+            <a:schemeClr val="accent1">
+              <a:shade val="50000"/>
+            </a:schemeClr>
+          </a:lnRef>
+          <a:fillRef idx="1">
+            <a:schemeClr val="accent1"/>
+          </a:fillRef>
+          <a:effectRef idx="0">
+            <a:schemeClr val="accent1"/>
+          </a:effectRef>
+          <a:fontRef idx="minor">
+            <a:schemeClr val="lt1"/>
+          </a:fontRef>
+        </p:style>
+        <p:txBody>
+          <a:bodyPr rtlCol="0" anchor="ctr"/>
+          <a:lstStyle/>
+          <a:p>
+            <a:pPr algn="ctr"/>
+            <a:endParaRPr lang="fr-FR"/>
+          </a:p>
+        </p:txBody>
+      </p:sp>
+      <p:sp>
+        <p:nvSpPr>
+          <p:cNvPr id="12" name="Ellipse 11"/>
+          <p:cNvSpPr/>
+          <p:nvPr/>
+        </p:nvSpPr>
+        <p:spPr>
+          <a:xfrm>
+            <a:off x="4776216" y="2007108"/>
+            <a:ext cx="502920" cy="521208"/>
+          </a:xfrm>
+          <a:prstGeom prst="ellipse">
+            <a:avLst/>
+          </a:prstGeom>
+        </p:spPr>
+        <p:style>
+          <a:lnRef idx="2">
+            <a:schemeClr val="accent1">
+              <a:shade val="50000"/>
+            </a:schemeClr>
+          </a:lnRef>
+          <a:fillRef idx="1">
+            <a:schemeClr val="accent1"/>
+          </a:fillRef>
+          <a:effectRef idx="0">
+            <a:schemeClr val="accent1"/>
+          </a:effectRef>
+          <a:fontRef idx="minor">
+            <a:schemeClr val="lt1"/>
+          </a:fontRef>
+        </p:style>
+        <p:txBody>
+          <a:bodyPr rtlCol="0" anchor="ctr"/>
+          <a:lstStyle/>
+          <a:p>
+            <a:pPr algn="ctr"/>
+            <a:endParaRPr lang="fr-FR"/>
+          </a:p>
+        </p:txBody>
+      </p:sp>
+      <p:sp>
+        <p:nvSpPr>
+          <p:cNvPr id="13" name="Ellipse 12"/>
+          <p:cNvSpPr/>
+          <p:nvPr/>
+        </p:nvSpPr>
+        <p:spPr>
+          <a:xfrm>
+            <a:off x="7296912" y="2020824"/>
+            <a:ext cx="502920" cy="521208"/>
+          </a:xfrm>
+          <a:prstGeom prst="ellipse">
+            <a:avLst/>
+          </a:prstGeom>
+        </p:spPr>
+        <p:style>
+          <a:lnRef idx="2">
+            <a:schemeClr val="accent1">
+              <a:shade val="50000"/>
+            </a:schemeClr>
+          </a:lnRef>
+          <a:fillRef idx="1">
+            <a:schemeClr val="accent1"/>
+          </a:fillRef>
+          <a:effectRef idx="0">
+            <a:schemeClr val="accent1"/>
+          </a:effectRef>
+          <a:fontRef idx="minor">
+            <a:schemeClr val="lt1"/>
+          </a:fontRef>
+        </p:style>
+        <p:txBody>
+          <a:bodyPr rtlCol="0" anchor="ctr"/>
+          <a:lstStyle/>
+          <a:p>
+            <a:pPr algn="ctr"/>
+            <a:endParaRPr lang="fr-FR"/>
+          </a:p>
+        </p:txBody>
+      </p:sp>
+      <p:cxnSp>
+        <p:nvCxnSpPr>
+          <p:cNvPr id="15" name="Connecteur droit 14"/>
+          <p:cNvCxnSpPr/>
+          <p:nvPr/>
+        </p:nvCxnSpPr>
+        <p:spPr>
+          <a:xfrm>
+            <a:off x="8604504" y="1920240"/>
+            <a:ext cx="9144" cy="804672"/>
+          </a:xfrm>
+          <a:prstGeom prst="line">
+            <a:avLst/>
+          </a:prstGeom>
+          <a:ln w="76200"/>
+        </p:spPr>
+        <p:style>
+          <a:lnRef idx="1">
+            <a:schemeClr val="accent1"/>
+          </a:lnRef>
+          <a:fillRef idx="0">
+            <a:schemeClr val="accent1"/>
+          </a:fillRef>
+          <a:effectRef idx="0">
+            <a:schemeClr val="accent1"/>
+          </a:effectRef>
+          <a:fontRef idx="minor">
+            <a:schemeClr val="tx1"/>
+          </a:fontRef>
+        </p:style>
+      </p:cxnSp>
+      <p:sp>
+        <p:nvSpPr>
+          <p:cNvPr id="16" name="ZoneTexte 15"/>
+          <p:cNvSpPr txBox="1"/>
+          <p:nvPr/>
+        </p:nvSpPr>
+        <p:spPr>
+          <a:xfrm>
+            <a:off x="8183880" y="2759702"/>
+            <a:ext cx="1065484" cy="369332"/>
+          </a:xfrm>
+          <a:prstGeom prst="rect">
+            <a:avLst/>
+          </a:prstGeom>
+          <a:noFill/>
+        </p:spPr>
+        <p:txBody>
+          <a:bodyPr wrap="none" rtlCol="0">
+            <a:spAutoFit/>
+          </a:bodyPr>
+          <a:lstStyle/>
+          <a:p>
+            <a:r>
+              <a:rPr lang="fr-FR" dirty="0" err="1" smtClean="0"/>
+              <a:t>complete</a:t>
+            </a:r>
+            <a:endParaRPr lang="fr-FR" dirty="0"/>
+          </a:p>
+        </p:txBody>
+      </p:sp>
+      <p:cxnSp>
+        <p:nvCxnSpPr>
+          <p:cNvPr id="17" name="Connecteur droit avec flèche 16"/>
+          <p:cNvCxnSpPr/>
+          <p:nvPr/>
+        </p:nvCxnSpPr>
+        <p:spPr>
+          <a:xfrm flipV="1">
+            <a:off x="280416" y="4027932"/>
+            <a:ext cx="11667744" cy="18288"/>
+          </a:xfrm>
+          <a:prstGeom prst="straightConnector1">
+            <a:avLst/>
+          </a:prstGeom>
+          <a:ln w="76200">
+            <a:tailEnd type="triangle"/>
+          </a:ln>
+        </p:spPr>
+        <p:style>
+          <a:lnRef idx="1">
+            <a:schemeClr val="accent1"/>
+          </a:lnRef>
+          <a:fillRef idx="0">
+            <a:schemeClr val="accent1"/>
+          </a:fillRef>
+          <a:effectRef idx="0">
+            <a:schemeClr val="accent1"/>
+          </a:effectRef>
+          <a:fontRef idx="minor">
+            <a:schemeClr val="tx1"/>
+          </a:fontRef>
+        </p:style>
+      </p:cxnSp>
+      <p:cxnSp>
+        <p:nvCxnSpPr>
+          <p:cNvPr id="18" name="Connecteur droit 17"/>
+          <p:cNvCxnSpPr/>
+          <p:nvPr/>
+        </p:nvCxnSpPr>
+        <p:spPr>
+          <a:xfrm flipH="1">
+            <a:off x="701040" y="3781044"/>
+            <a:ext cx="9144" cy="704088"/>
+          </a:xfrm>
+          <a:prstGeom prst="line">
+            <a:avLst/>
+          </a:prstGeom>
+          <a:ln w="76200"/>
+        </p:spPr>
+        <p:style>
+          <a:lnRef idx="1">
+            <a:schemeClr val="accent1"/>
+          </a:lnRef>
+          <a:fillRef idx="0">
+            <a:schemeClr val="accent1"/>
+          </a:fillRef>
+          <a:effectRef idx="0">
+            <a:schemeClr val="accent1"/>
+          </a:effectRef>
+          <a:fontRef idx="minor">
+            <a:schemeClr val="tx1"/>
+          </a:fontRef>
+        </p:style>
+      </p:cxnSp>
+      <p:sp>
+        <p:nvSpPr>
+          <p:cNvPr id="19" name="ZoneTexte 18"/>
+          <p:cNvSpPr txBox="1"/>
+          <p:nvPr/>
+        </p:nvSpPr>
+        <p:spPr>
+          <a:xfrm>
+            <a:off x="435864" y="4640580"/>
+            <a:ext cx="1395382" cy="369332"/>
+          </a:xfrm>
+          <a:prstGeom prst="rect">
+            <a:avLst/>
+          </a:prstGeom>
+          <a:noFill/>
+        </p:spPr>
+        <p:txBody>
+          <a:bodyPr wrap="none" rtlCol="0">
+            <a:spAutoFit/>
+          </a:bodyPr>
+          <a:lstStyle/>
+          <a:p>
+            <a:r>
+              <a:rPr lang="fr-FR" dirty="0" err="1" smtClean="0"/>
+              <a:t>o.subscribe</a:t>
+            </a:r>
+            <a:r>
+              <a:rPr lang="fr-FR" dirty="0" smtClean="0"/>
+              <a:t>()</a:t>
+            </a:r>
+            <a:endParaRPr lang="fr-FR" dirty="0"/>
+          </a:p>
+        </p:txBody>
+      </p:sp>
+      <p:sp>
+        <p:nvSpPr>
+          <p:cNvPr id="20" name="Ellipse 19"/>
+          <p:cNvSpPr/>
+          <p:nvPr/>
+        </p:nvSpPr>
+        <p:spPr>
+          <a:xfrm>
+            <a:off x="2401824" y="3781044"/>
+            <a:ext cx="502920" cy="521208"/>
+          </a:xfrm>
+          <a:prstGeom prst="ellipse">
+            <a:avLst/>
+          </a:prstGeom>
+        </p:spPr>
+        <p:style>
+          <a:lnRef idx="2">
+            <a:schemeClr val="accent1">
+              <a:shade val="50000"/>
+            </a:schemeClr>
+          </a:lnRef>
+          <a:fillRef idx="1">
+            <a:schemeClr val="accent1"/>
+          </a:fillRef>
+          <a:effectRef idx="0">
+            <a:schemeClr val="accent1"/>
+          </a:effectRef>
+          <a:fontRef idx="minor">
+            <a:schemeClr val="lt1"/>
+          </a:fontRef>
+        </p:style>
+        <p:txBody>
+          <a:bodyPr rtlCol="0" anchor="ctr"/>
+          <a:lstStyle/>
+          <a:p>
+            <a:pPr algn="ctr"/>
+            <a:endParaRPr lang="fr-FR"/>
+          </a:p>
+        </p:txBody>
+      </p:sp>
+      <p:sp>
+        <p:nvSpPr>
+          <p:cNvPr id="21" name="Ellipse 20"/>
+          <p:cNvSpPr/>
+          <p:nvPr/>
+        </p:nvSpPr>
+        <p:spPr>
+          <a:xfrm>
+            <a:off x="3916680" y="3767328"/>
+            <a:ext cx="502920" cy="521208"/>
+          </a:xfrm>
+          <a:prstGeom prst="ellipse">
+            <a:avLst/>
+          </a:prstGeom>
+        </p:spPr>
+        <p:style>
+          <a:lnRef idx="2">
+            <a:schemeClr val="accent1">
+              <a:shade val="50000"/>
+            </a:schemeClr>
+          </a:lnRef>
+          <a:fillRef idx="1">
+            <a:schemeClr val="accent1"/>
+          </a:fillRef>
+          <a:effectRef idx="0">
+            <a:schemeClr val="accent1"/>
+          </a:effectRef>
+          <a:fontRef idx="minor">
+            <a:schemeClr val="lt1"/>
+          </a:fontRef>
+        </p:style>
+        <p:txBody>
+          <a:bodyPr rtlCol="0" anchor="ctr"/>
+          <a:lstStyle/>
+          <a:p>
+            <a:pPr algn="ctr"/>
+            <a:endParaRPr lang="fr-FR"/>
+          </a:p>
+        </p:txBody>
+      </p:sp>
+      <p:sp>
+        <p:nvSpPr>
+          <p:cNvPr id="22" name="Ellipse 21"/>
+          <p:cNvSpPr/>
+          <p:nvPr/>
+        </p:nvSpPr>
+        <p:spPr>
+          <a:xfrm>
+            <a:off x="4745736" y="3767328"/>
+            <a:ext cx="502920" cy="521208"/>
+          </a:xfrm>
+          <a:prstGeom prst="ellipse">
+            <a:avLst/>
+          </a:prstGeom>
+        </p:spPr>
+        <p:style>
+          <a:lnRef idx="2">
+            <a:schemeClr val="accent1">
+              <a:shade val="50000"/>
+            </a:schemeClr>
+          </a:lnRef>
+          <a:fillRef idx="1">
+            <a:schemeClr val="accent1"/>
+          </a:fillRef>
+          <a:effectRef idx="0">
+            <a:schemeClr val="accent1"/>
+          </a:effectRef>
+          <a:fontRef idx="minor">
+            <a:schemeClr val="lt1"/>
+          </a:fontRef>
+        </p:style>
+        <p:txBody>
+          <a:bodyPr rtlCol="0" anchor="ctr"/>
+          <a:lstStyle/>
+          <a:p>
+            <a:pPr algn="ctr"/>
+            <a:endParaRPr lang="fr-FR"/>
+          </a:p>
+        </p:txBody>
+      </p:sp>
+      <p:sp>
+        <p:nvSpPr>
+          <p:cNvPr id="23" name="Ellipse 22"/>
+          <p:cNvSpPr/>
+          <p:nvPr/>
+        </p:nvSpPr>
+        <p:spPr>
+          <a:xfrm>
+            <a:off x="7266432" y="3781044"/>
+            <a:ext cx="502920" cy="521208"/>
+          </a:xfrm>
+          <a:prstGeom prst="ellipse">
+            <a:avLst/>
+          </a:prstGeom>
+        </p:spPr>
+        <p:style>
+          <a:lnRef idx="2">
+            <a:schemeClr val="accent1">
+              <a:shade val="50000"/>
+            </a:schemeClr>
+          </a:lnRef>
+          <a:fillRef idx="1">
+            <a:schemeClr val="accent1"/>
+          </a:fillRef>
+          <a:effectRef idx="0">
+            <a:schemeClr val="accent1"/>
+          </a:effectRef>
+          <a:fontRef idx="minor">
+            <a:schemeClr val="lt1"/>
+          </a:fontRef>
+        </p:style>
+        <p:txBody>
+          <a:bodyPr rtlCol="0" anchor="ctr"/>
+          <a:lstStyle/>
+          <a:p>
+            <a:pPr algn="ctr"/>
+            <a:endParaRPr lang="fr-FR"/>
+          </a:p>
+        </p:txBody>
+      </p:sp>
+      <p:cxnSp>
+        <p:nvCxnSpPr>
+          <p:cNvPr id="24" name="Connecteur droit 23"/>
+          <p:cNvCxnSpPr/>
+          <p:nvPr/>
+        </p:nvCxnSpPr>
+        <p:spPr>
+          <a:xfrm>
+            <a:off x="8183880" y="3685032"/>
+            <a:ext cx="307848" cy="800100"/>
+          </a:xfrm>
+          <a:prstGeom prst="line">
+            <a:avLst/>
+          </a:prstGeom>
+          <a:ln w="76200"/>
+        </p:spPr>
+        <p:style>
+          <a:lnRef idx="1">
+            <a:schemeClr val="accent1"/>
+          </a:lnRef>
+          <a:fillRef idx="0">
+            <a:schemeClr val="accent1"/>
+          </a:fillRef>
+          <a:effectRef idx="0">
+            <a:schemeClr val="accent1"/>
+          </a:effectRef>
+          <a:fontRef idx="minor">
+            <a:schemeClr val="tx1"/>
+          </a:fontRef>
+        </p:style>
+      </p:cxnSp>
+      <p:sp>
+        <p:nvSpPr>
+          <p:cNvPr id="25" name="ZoneTexte 24"/>
+          <p:cNvSpPr txBox="1"/>
+          <p:nvPr/>
+        </p:nvSpPr>
+        <p:spPr>
+          <a:xfrm>
+            <a:off x="8162407" y="4462486"/>
+            <a:ext cx="658642" cy="369332"/>
+          </a:xfrm>
+          <a:prstGeom prst="rect">
+            <a:avLst/>
+          </a:prstGeom>
+          <a:noFill/>
+        </p:spPr>
+        <p:txBody>
+          <a:bodyPr wrap="none" rtlCol="0">
+            <a:spAutoFit/>
+          </a:bodyPr>
+          <a:lstStyle/>
+          <a:p>
+            <a:r>
+              <a:rPr lang="fr-FR" dirty="0" err="1" smtClean="0"/>
+              <a:t>error</a:t>
+            </a:r>
+            <a:endParaRPr lang="fr-FR" dirty="0"/>
+          </a:p>
+        </p:txBody>
+      </p:sp>
+      <p:cxnSp>
+        <p:nvCxnSpPr>
+          <p:cNvPr id="30" name="Connecteur droit 29"/>
+          <p:cNvCxnSpPr/>
+          <p:nvPr/>
+        </p:nvCxnSpPr>
+        <p:spPr>
+          <a:xfrm flipH="1">
+            <a:off x="8083296" y="3685032"/>
+            <a:ext cx="521208" cy="800100"/>
+          </a:xfrm>
+          <a:prstGeom prst="line">
+            <a:avLst/>
+          </a:prstGeom>
+          <a:ln w="76200"/>
+        </p:spPr>
+        <p:style>
+          <a:lnRef idx="1">
+            <a:schemeClr val="accent1"/>
+          </a:lnRef>
+          <a:fillRef idx="0">
+            <a:schemeClr val="accent1"/>
+          </a:fillRef>
+          <a:effectRef idx="0">
+            <a:schemeClr val="accent1"/>
+          </a:effectRef>
+          <a:fontRef idx="minor">
+            <a:schemeClr val="tx1"/>
+          </a:fontRef>
+        </p:style>
+      </p:cxnSp>
+      <p:cxnSp>
+        <p:nvCxnSpPr>
+          <p:cNvPr id="31" name="Connecteur droit avec flèche 30"/>
+          <p:cNvCxnSpPr/>
+          <p:nvPr/>
+        </p:nvCxnSpPr>
+        <p:spPr>
+          <a:xfrm flipV="1">
+            <a:off x="216408" y="5289018"/>
+            <a:ext cx="11667744" cy="18288"/>
+          </a:xfrm>
+          <a:prstGeom prst="straightConnector1">
+            <a:avLst/>
+          </a:prstGeom>
+          <a:ln w="76200">
+            <a:tailEnd type="triangle"/>
+          </a:ln>
+        </p:spPr>
+        <p:style>
+          <a:lnRef idx="1">
+            <a:schemeClr val="accent1"/>
+          </a:lnRef>
+          <a:fillRef idx="0">
+            <a:schemeClr val="accent1"/>
+          </a:fillRef>
+          <a:effectRef idx="0">
+            <a:schemeClr val="accent1"/>
+          </a:effectRef>
+          <a:fontRef idx="minor">
+            <a:schemeClr val="tx1"/>
+          </a:fontRef>
+        </p:style>
+      </p:cxnSp>
+      <p:cxnSp>
+        <p:nvCxnSpPr>
+          <p:cNvPr id="32" name="Connecteur droit 31"/>
+          <p:cNvCxnSpPr/>
+          <p:nvPr/>
+        </p:nvCxnSpPr>
+        <p:spPr>
+          <a:xfrm flipH="1">
+            <a:off x="637032" y="5042130"/>
+            <a:ext cx="9144" cy="704088"/>
+          </a:xfrm>
+          <a:prstGeom prst="line">
+            <a:avLst/>
+          </a:prstGeom>
+          <a:ln w="76200"/>
+        </p:spPr>
+        <p:style>
+          <a:lnRef idx="1">
+            <a:schemeClr val="accent1"/>
+          </a:lnRef>
+          <a:fillRef idx="0">
+            <a:schemeClr val="accent1"/>
+          </a:fillRef>
+          <a:effectRef idx="0">
+            <a:schemeClr val="accent1"/>
+          </a:effectRef>
+          <a:fontRef idx="minor">
+            <a:schemeClr val="tx1"/>
+          </a:fontRef>
+        </p:style>
+      </p:cxnSp>
+      <p:sp>
+        <p:nvSpPr>
+          <p:cNvPr id="33" name="ZoneTexte 32"/>
+          <p:cNvSpPr txBox="1"/>
+          <p:nvPr/>
+        </p:nvSpPr>
+        <p:spPr>
+          <a:xfrm>
+            <a:off x="138897" y="5859518"/>
+            <a:ext cx="2262927" cy="369332"/>
+          </a:xfrm>
+          <a:prstGeom prst="rect">
+            <a:avLst/>
+          </a:prstGeom>
+          <a:noFill/>
+        </p:spPr>
+        <p:txBody>
+          <a:bodyPr wrap="none" rtlCol="0">
+            <a:spAutoFit/>
+          </a:bodyPr>
+          <a:lstStyle/>
+          <a:p>
+            <a:r>
+              <a:rPr lang="fr-FR" dirty="0" err="1" smtClean="0"/>
+              <a:t>const</a:t>
+            </a:r>
+            <a:r>
+              <a:rPr lang="fr-FR" dirty="0" smtClean="0"/>
+              <a:t> s = </a:t>
+            </a:r>
+            <a:r>
+              <a:rPr lang="fr-FR" dirty="0" err="1" smtClean="0"/>
+              <a:t>o.subscribe</a:t>
+            </a:r>
+            <a:r>
+              <a:rPr lang="fr-FR" dirty="0" smtClean="0"/>
+              <a:t>()</a:t>
+            </a:r>
+            <a:endParaRPr lang="fr-FR" dirty="0"/>
+          </a:p>
+        </p:txBody>
+      </p:sp>
+      <p:sp>
+        <p:nvSpPr>
+          <p:cNvPr id="34" name="Ellipse 33"/>
+          <p:cNvSpPr/>
+          <p:nvPr/>
+        </p:nvSpPr>
+        <p:spPr>
+          <a:xfrm>
+            <a:off x="2337816" y="5042130"/>
+            <a:ext cx="502920" cy="521208"/>
+          </a:xfrm>
+          <a:prstGeom prst="ellipse">
+            <a:avLst/>
+          </a:prstGeom>
+        </p:spPr>
+        <p:style>
+          <a:lnRef idx="2">
+            <a:schemeClr val="accent1">
+              <a:shade val="50000"/>
+            </a:schemeClr>
+          </a:lnRef>
+          <a:fillRef idx="1">
+            <a:schemeClr val="accent1"/>
+          </a:fillRef>
+          <a:effectRef idx="0">
+            <a:schemeClr val="accent1"/>
+          </a:effectRef>
+          <a:fontRef idx="minor">
+            <a:schemeClr val="lt1"/>
+          </a:fontRef>
+        </p:style>
+        <p:txBody>
+          <a:bodyPr rtlCol="0" anchor="ctr"/>
+          <a:lstStyle/>
+          <a:p>
+            <a:pPr algn="ctr"/>
+            <a:endParaRPr lang="fr-FR"/>
+          </a:p>
+        </p:txBody>
+      </p:sp>
+      <p:sp>
+        <p:nvSpPr>
+          <p:cNvPr id="35" name="Ellipse 34"/>
+          <p:cNvSpPr/>
+          <p:nvPr/>
+        </p:nvSpPr>
+        <p:spPr>
+          <a:xfrm>
+            <a:off x="3852672" y="5028414"/>
+            <a:ext cx="502920" cy="521208"/>
+          </a:xfrm>
+          <a:prstGeom prst="ellipse">
+            <a:avLst/>
+          </a:prstGeom>
+        </p:spPr>
+        <p:style>
+          <a:lnRef idx="2">
+            <a:schemeClr val="accent1">
+              <a:shade val="50000"/>
+            </a:schemeClr>
+          </a:lnRef>
+          <a:fillRef idx="1">
+            <a:schemeClr val="accent1"/>
+          </a:fillRef>
+          <a:effectRef idx="0">
+            <a:schemeClr val="accent1"/>
+          </a:effectRef>
+          <a:fontRef idx="minor">
+            <a:schemeClr val="lt1"/>
+          </a:fontRef>
+        </p:style>
+        <p:txBody>
+          <a:bodyPr rtlCol="0" anchor="ctr"/>
+          <a:lstStyle/>
+          <a:p>
+            <a:pPr algn="ctr"/>
+            <a:endParaRPr lang="fr-FR"/>
+          </a:p>
+        </p:txBody>
+      </p:sp>
+      <p:cxnSp>
+        <p:nvCxnSpPr>
+          <p:cNvPr id="42" name="Connecteur droit 41"/>
+          <p:cNvCxnSpPr/>
+          <p:nvPr/>
+        </p:nvCxnSpPr>
+        <p:spPr>
+          <a:xfrm>
+            <a:off x="4355592" y="4647152"/>
+            <a:ext cx="536448" cy="1342168"/>
+          </a:xfrm>
+          <a:prstGeom prst="line">
+            <a:avLst/>
+          </a:prstGeom>
+          <a:ln w="76200"/>
+        </p:spPr>
+        <p:style>
+          <a:lnRef idx="1">
+            <a:schemeClr val="accent1"/>
+          </a:lnRef>
+          <a:fillRef idx="0">
+            <a:schemeClr val="accent1"/>
+          </a:fillRef>
+          <a:effectRef idx="0">
+            <a:schemeClr val="accent1"/>
+          </a:effectRef>
+          <a:fontRef idx="minor">
+            <a:schemeClr val="tx1"/>
+          </a:fontRef>
+        </p:style>
+      </p:cxnSp>
+      <p:sp>
+        <p:nvSpPr>
+          <p:cNvPr id="43" name="ZoneTexte 42"/>
+          <p:cNvSpPr txBox="1"/>
+          <p:nvPr/>
+        </p:nvSpPr>
+        <p:spPr>
+          <a:xfrm>
+            <a:off x="4308348" y="5945814"/>
+            <a:ext cx="1606978" cy="369332"/>
+          </a:xfrm>
+          <a:prstGeom prst="rect">
+            <a:avLst/>
+          </a:prstGeom>
+          <a:noFill/>
+        </p:spPr>
+        <p:txBody>
+          <a:bodyPr wrap="none" rtlCol="0">
+            <a:spAutoFit/>
+          </a:bodyPr>
+          <a:lstStyle/>
+          <a:p>
+            <a:r>
+              <a:rPr lang="fr-FR" dirty="0" err="1" smtClean="0"/>
+              <a:t>s.unsubscribe</a:t>
+            </a:r>
+            <a:r>
+              <a:rPr lang="fr-FR" dirty="0" smtClean="0"/>
+              <a:t>()</a:t>
+            </a:r>
+            <a:endParaRPr lang="fr-FR" dirty="0"/>
+          </a:p>
+        </p:txBody>
+      </p:sp>
+    </p:spTree>
+    <p:extLst>
+      <p:ext uri="{BB962C8B-B14F-4D97-AF65-F5344CB8AC3E}">
+        <p14:creationId xmlns:p14="http://schemas.microsoft.com/office/powerpoint/2010/main" val="31396340"/>
+      </p:ext>
+    </p:extLst>
+  </p:cSld>
+  <p:clrMapOvr>
+    <a:masterClrMapping/>
+  </p:clrMapOvr>
+</p:sld>
+</file>
+
+<file path=ppt/slides/slide17.xml><?xml version="1.0" encoding="utf-8"?>
+<p:sld xmlns:a="http://schemas.openxmlformats.org/drawingml/2006/main" xmlns:r="http://schemas.openxmlformats.org/officeDocument/2006/relationships" xmlns:p="http://schemas.openxmlformats.org/presentationml/2006/main">
+  <p:cSld>
+    <p:spTree>
+      <p:nvGrpSpPr>
+        <p:cNvPr id="1" name=""/>
+        <p:cNvGrpSpPr/>
+        <p:nvPr/>
+      </p:nvGrpSpPr>
+      <p:grpSpPr>
+        <a:xfrm>
+          <a:off x="0" y="0"/>
+          <a:ext cx="0" cy="0"/>
+          <a:chOff x="0" y="0"/>
+          <a:chExt cx="0" cy="0"/>
+        </a:xfrm>
+      </p:grpSpPr>
+      <p:cxnSp>
+        <p:nvCxnSpPr>
+          <p:cNvPr id="5" name="Connecteur droit avec flèche 4"/>
+          <p:cNvCxnSpPr/>
+          <p:nvPr/>
+        </p:nvCxnSpPr>
+        <p:spPr>
+          <a:xfrm>
+            <a:off x="566928" y="1847088"/>
+            <a:ext cx="11402568" cy="9144"/>
+          </a:xfrm>
+          <a:prstGeom prst="straightConnector1">
+            <a:avLst/>
+          </a:prstGeom>
+          <a:ln w="76200">
+            <a:tailEnd type="triangle"/>
+          </a:ln>
+        </p:spPr>
+        <p:style>
+          <a:lnRef idx="1">
+            <a:schemeClr val="accent1"/>
+          </a:lnRef>
+          <a:fillRef idx="0">
+            <a:schemeClr val="accent1"/>
+          </a:fillRef>
+          <a:effectRef idx="0">
+            <a:schemeClr val="accent1"/>
+          </a:effectRef>
+          <a:fontRef idx="minor">
+            <a:schemeClr val="tx1"/>
+          </a:fontRef>
+        </p:style>
+      </p:cxnSp>
+      <p:cxnSp>
+        <p:nvCxnSpPr>
+          <p:cNvPr id="7" name="Connecteur droit 6"/>
+          <p:cNvCxnSpPr/>
+          <p:nvPr/>
+        </p:nvCxnSpPr>
+        <p:spPr>
+          <a:xfrm>
+            <a:off x="987552" y="1545336"/>
+            <a:ext cx="9144" cy="804672"/>
+          </a:xfrm>
+          <a:prstGeom prst="line">
+            <a:avLst/>
+          </a:prstGeom>
+          <a:ln w="76200"/>
+        </p:spPr>
+        <p:style>
+          <a:lnRef idx="1">
+            <a:schemeClr val="accent1"/>
+          </a:lnRef>
+          <a:fillRef idx="0">
+            <a:schemeClr val="accent1"/>
+          </a:fillRef>
+          <a:effectRef idx="0">
+            <a:schemeClr val="accent1"/>
+          </a:effectRef>
+          <a:fontRef idx="minor">
+            <a:schemeClr val="tx1"/>
+          </a:fontRef>
+        </p:style>
+      </p:cxnSp>
+      <p:cxnSp>
+        <p:nvCxnSpPr>
+          <p:cNvPr id="9" name="Connecteur droit 8"/>
+          <p:cNvCxnSpPr/>
+          <p:nvPr/>
+        </p:nvCxnSpPr>
+        <p:spPr>
+          <a:xfrm>
+            <a:off x="6172200" y="1261872"/>
+            <a:ext cx="27432" cy="1481328"/>
+          </a:xfrm>
+          <a:prstGeom prst="line">
+            <a:avLst/>
+          </a:prstGeom>
+          <a:ln w="76200"/>
+        </p:spPr>
+        <p:style>
+          <a:lnRef idx="1">
+            <a:schemeClr val="accent1"/>
+          </a:lnRef>
+          <a:fillRef idx="0">
+            <a:schemeClr val="accent1"/>
+          </a:fillRef>
+          <a:effectRef idx="0">
+            <a:schemeClr val="accent1"/>
+          </a:effectRef>
+          <a:fontRef idx="minor">
+            <a:schemeClr val="tx1"/>
+          </a:fontRef>
+        </p:style>
+      </p:cxnSp>
+      <p:cxnSp>
+        <p:nvCxnSpPr>
+          <p:cNvPr id="11" name="Connecteur droit 10"/>
+          <p:cNvCxnSpPr/>
+          <p:nvPr/>
+        </p:nvCxnSpPr>
+        <p:spPr>
+          <a:xfrm>
+            <a:off x="9043416" y="1545336"/>
+            <a:ext cx="27432" cy="713232"/>
+          </a:xfrm>
+          <a:prstGeom prst="line">
+            <a:avLst/>
+          </a:prstGeom>
+          <a:ln w="76200"/>
+        </p:spPr>
+        <p:style>
+          <a:lnRef idx="1">
+            <a:schemeClr val="accent1"/>
+          </a:lnRef>
+          <a:fillRef idx="0">
+            <a:schemeClr val="accent1"/>
+          </a:fillRef>
+          <a:effectRef idx="0">
+            <a:schemeClr val="accent1"/>
+          </a:effectRef>
+          <a:fontRef idx="minor">
+            <a:schemeClr val="tx1"/>
+          </a:fontRef>
+        </p:style>
+      </p:cxnSp>
+      <p:sp>
+        <p:nvSpPr>
+          <p:cNvPr id="12" name="Rectangle 11"/>
+          <p:cNvSpPr/>
+          <p:nvPr/>
+        </p:nvSpPr>
+        <p:spPr>
+          <a:xfrm>
+            <a:off x="996696" y="1673352"/>
+            <a:ext cx="210312" cy="347472"/>
+          </a:xfrm>
+          <a:prstGeom prst="rect">
+            <a:avLst/>
+          </a:prstGeom>
+        </p:spPr>
+        <p:style>
+          <a:lnRef idx="2">
+            <a:schemeClr val="accent6">
+              <a:shade val="50000"/>
+            </a:schemeClr>
+          </a:lnRef>
+          <a:fillRef idx="1">
+            <a:schemeClr val="accent6"/>
+          </a:fillRef>
+          <a:effectRef idx="0">
+            <a:schemeClr val="accent6"/>
+          </a:effectRef>
+          <a:fontRef idx="minor">
+            <a:schemeClr val="lt1"/>
+          </a:fontRef>
+        </p:style>
+        <p:txBody>
+          <a:bodyPr rtlCol="0" anchor="ctr"/>
+          <a:lstStyle/>
+          <a:p>
+            <a:pPr algn="ctr"/>
+            <a:endParaRPr lang="fr-FR"/>
+          </a:p>
+        </p:txBody>
+      </p:sp>
+      <p:sp>
+        <p:nvSpPr>
+          <p:cNvPr id="13" name="Rectangle 12"/>
+          <p:cNvSpPr/>
+          <p:nvPr/>
+        </p:nvSpPr>
+        <p:spPr>
+          <a:xfrm>
+            <a:off x="6199632" y="1682496"/>
+            <a:ext cx="384048" cy="347472"/>
+          </a:xfrm>
+          <a:prstGeom prst="rect">
+            <a:avLst/>
+          </a:prstGeom>
+        </p:spPr>
+        <p:style>
+          <a:lnRef idx="2">
+            <a:schemeClr val="accent6">
+              <a:shade val="50000"/>
+            </a:schemeClr>
+          </a:lnRef>
+          <a:fillRef idx="1">
+            <a:schemeClr val="accent6"/>
+          </a:fillRef>
+          <a:effectRef idx="0">
+            <a:schemeClr val="accent6"/>
+          </a:effectRef>
+          <a:fontRef idx="minor">
+            <a:schemeClr val="lt1"/>
+          </a:fontRef>
+        </p:style>
+        <p:txBody>
+          <a:bodyPr rtlCol="0" anchor="ctr"/>
+          <a:lstStyle/>
+          <a:p>
+            <a:pPr algn="ctr"/>
+            <a:endParaRPr lang="fr-FR"/>
+          </a:p>
+        </p:txBody>
+      </p:sp>
+      <p:sp>
+        <p:nvSpPr>
+          <p:cNvPr id="14" name="Rectangle 13"/>
+          <p:cNvSpPr/>
+          <p:nvPr/>
+        </p:nvSpPr>
+        <p:spPr>
+          <a:xfrm>
+            <a:off x="8476488" y="4562856"/>
+            <a:ext cx="2743200" cy="1755648"/>
+          </a:xfrm>
+          <a:prstGeom prst="rect">
+            <a:avLst/>
+          </a:prstGeom>
+        </p:spPr>
+        <p:style>
+          <a:lnRef idx="2">
+            <a:schemeClr val="accent1"/>
+          </a:lnRef>
+          <a:fillRef idx="1">
+            <a:schemeClr val="lt1"/>
+          </a:fillRef>
+          <a:effectRef idx="0">
+            <a:schemeClr val="accent1"/>
+          </a:effectRef>
+          <a:fontRef idx="minor">
+            <a:schemeClr val="dk1"/>
+          </a:fontRef>
+        </p:style>
+        <p:txBody>
+          <a:bodyPr rtlCol="0" anchor="ctr"/>
+          <a:lstStyle/>
+          <a:p>
+            <a:pPr algn="ctr"/>
+            <a:endParaRPr lang="fr-FR"/>
+          </a:p>
+        </p:txBody>
+      </p:sp>
+      <p:sp>
+        <p:nvSpPr>
+          <p:cNvPr id="15" name="Rectangle 14"/>
+          <p:cNvSpPr/>
+          <p:nvPr/>
+        </p:nvSpPr>
+        <p:spPr>
+          <a:xfrm>
+            <a:off x="8705088" y="5303520"/>
+            <a:ext cx="731520" cy="438912"/>
+          </a:xfrm>
+          <a:prstGeom prst="rect">
+            <a:avLst/>
+          </a:prstGeom>
+        </p:spPr>
+        <p:style>
+          <a:lnRef idx="2">
+            <a:schemeClr val="accent1">
+              <a:shade val="50000"/>
+            </a:schemeClr>
+          </a:lnRef>
+          <a:fillRef idx="1">
+            <a:schemeClr val="accent1"/>
+          </a:fillRef>
+          <a:effectRef idx="0">
+            <a:schemeClr val="accent1"/>
+          </a:effectRef>
+          <a:fontRef idx="minor">
+            <a:schemeClr val="lt1"/>
+          </a:fontRef>
+        </p:style>
+        <p:txBody>
+          <a:bodyPr rtlCol="0" anchor="ctr"/>
+          <a:lstStyle/>
+          <a:p>
+            <a:pPr algn="ctr"/>
+            <a:r>
+              <a:rPr lang="fr-FR" dirty="0" err="1" smtClean="0"/>
+              <a:t>CPU</a:t>
+            </a:r>
+            <a:endParaRPr lang="fr-FR" dirty="0"/>
+          </a:p>
+        </p:txBody>
+      </p:sp>
+      <p:sp>
+        <p:nvSpPr>
+          <p:cNvPr id="16" name="Rectangle 15"/>
+          <p:cNvSpPr/>
+          <p:nvPr/>
+        </p:nvSpPr>
+        <p:spPr>
+          <a:xfrm>
+            <a:off x="10040112" y="5221224"/>
+            <a:ext cx="896112" cy="603504"/>
+          </a:xfrm>
+          <a:prstGeom prst="rect">
+            <a:avLst/>
+          </a:prstGeom>
+        </p:spPr>
+        <p:style>
+          <a:lnRef idx="2">
+            <a:schemeClr val="accent1">
+              <a:shade val="50000"/>
+            </a:schemeClr>
+          </a:lnRef>
+          <a:fillRef idx="1">
+            <a:schemeClr val="accent1"/>
+          </a:fillRef>
+          <a:effectRef idx="0">
+            <a:schemeClr val="accent1"/>
+          </a:effectRef>
+          <a:fontRef idx="minor">
+            <a:schemeClr val="lt1"/>
+          </a:fontRef>
+        </p:style>
+        <p:txBody>
+          <a:bodyPr rtlCol="0" anchor="ctr"/>
+          <a:lstStyle/>
+          <a:p>
+            <a:pPr algn="ctr"/>
+            <a:r>
+              <a:rPr lang="fr-FR" dirty="0" smtClean="0"/>
+              <a:t>RAM</a:t>
+            </a:r>
+            <a:endParaRPr lang="fr-FR" dirty="0"/>
+          </a:p>
+        </p:txBody>
+      </p:sp>
+      <p:cxnSp>
+        <p:nvCxnSpPr>
+          <p:cNvPr id="18" name="Connecteur droit 17"/>
+          <p:cNvCxnSpPr>
+            <a:stCxn id="15" idx="3"/>
+            <a:endCxn id="16" idx="1"/>
+          </p:cNvCxnSpPr>
+          <p:nvPr/>
+        </p:nvCxnSpPr>
+        <p:spPr>
+          <a:xfrm>
+            <a:off x="9436608" y="5522976"/>
+            <a:ext cx="603504" cy="0"/>
+          </a:xfrm>
+          <a:prstGeom prst="line">
+            <a:avLst/>
+          </a:prstGeom>
+          <a:ln w="76200"/>
+        </p:spPr>
+        <p:style>
+          <a:lnRef idx="1">
+            <a:schemeClr val="accent1"/>
+          </a:lnRef>
+          <a:fillRef idx="0">
+            <a:schemeClr val="accent1"/>
+          </a:fillRef>
+          <a:effectRef idx="0">
+            <a:schemeClr val="accent1"/>
+          </a:effectRef>
+          <a:fontRef idx="minor">
+            <a:schemeClr val="tx1"/>
+          </a:fontRef>
+        </p:style>
+      </p:cxnSp>
+      <p:cxnSp>
+        <p:nvCxnSpPr>
+          <p:cNvPr id="20" name="Connecteur droit 19"/>
+          <p:cNvCxnSpPr/>
+          <p:nvPr/>
+        </p:nvCxnSpPr>
+        <p:spPr>
+          <a:xfrm flipV="1">
+            <a:off x="9738360" y="4133088"/>
+            <a:ext cx="0" cy="1389888"/>
+          </a:xfrm>
+          <a:prstGeom prst="line">
+            <a:avLst/>
+          </a:prstGeom>
+          <a:ln w="76200"/>
+        </p:spPr>
+        <p:style>
+          <a:lnRef idx="1">
+            <a:schemeClr val="accent1"/>
+          </a:lnRef>
+          <a:fillRef idx="0">
+            <a:schemeClr val="accent1"/>
+          </a:fillRef>
+          <a:effectRef idx="0">
+            <a:schemeClr val="accent1"/>
+          </a:effectRef>
+          <a:fontRef idx="minor">
+            <a:schemeClr val="tx1"/>
+          </a:fontRef>
+        </p:style>
+      </p:cxnSp>
+      <p:sp>
+        <p:nvSpPr>
+          <p:cNvPr id="21" name="Rectangle 20"/>
+          <p:cNvSpPr/>
+          <p:nvPr/>
+        </p:nvSpPr>
+        <p:spPr>
+          <a:xfrm>
+            <a:off x="9171432" y="3534156"/>
+            <a:ext cx="1133856" cy="612648"/>
+          </a:xfrm>
+          <a:prstGeom prst="rect">
+            <a:avLst/>
+          </a:prstGeom>
+        </p:spPr>
+        <p:style>
+          <a:lnRef idx="2">
+            <a:schemeClr val="accent1">
+              <a:shade val="50000"/>
+            </a:schemeClr>
+          </a:lnRef>
+          <a:fillRef idx="1">
+            <a:schemeClr val="accent1"/>
+          </a:fillRef>
+          <a:effectRef idx="0">
+            <a:schemeClr val="accent1"/>
+          </a:effectRef>
+          <a:fontRef idx="minor">
+            <a:schemeClr val="lt1"/>
+          </a:fontRef>
+        </p:style>
+        <p:txBody>
+          <a:bodyPr rtlCol="0" anchor="ctr"/>
+          <a:lstStyle/>
+          <a:p>
+            <a:pPr algn="ctr"/>
+            <a:r>
+              <a:rPr lang="fr-FR" dirty="0" err="1" smtClean="0"/>
+              <a:t>ext</a:t>
+            </a:r>
+            <a:endParaRPr lang="fr-FR" dirty="0"/>
+          </a:p>
+        </p:txBody>
+      </p:sp>
+      <p:cxnSp>
+        <p:nvCxnSpPr>
+          <p:cNvPr id="22" name="Connecteur droit avec flèche 21"/>
+          <p:cNvCxnSpPr/>
+          <p:nvPr/>
+        </p:nvCxnSpPr>
+        <p:spPr>
+          <a:xfrm>
+            <a:off x="498348" y="3090672"/>
+            <a:ext cx="11402568" cy="9144"/>
+          </a:xfrm>
+          <a:prstGeom prst="straightConnector1">
+            <a:avLst/>
+          </a:prstGeom>
+          <a:ln w="76200">
+            <a:tailEnd type="triangle"/>
+          </a:ln>
+        </p:spPr>
+        <p:style>
+          <a:lnRef idx="1">
+            <a:schemeClr val="accent1"/>
+          </a:lnRef>
+          <a:fillRef idx="0">
+            <a:schemeClr val="accent1"/>
+          </a:fillRef>
+          <a:effectRef idx="0">
+            <a:schemeClr val="accent1"/>
+          </a:effectRef>
+          <a:fontRef idx="minor">
+            <a:schemeClr val="tx1"/>
+          </a:fontRef>
+        </p:style>
+      </p:cxnSp>
+      <p:sp>
+        <p:nvSpPr>
+          <p:cNvPr id="23" name="ZoneTexte 22"/>
+          <p:cNvSpPr txBox="1"/>
+          <p:nvPr/>
+        </p:nvSpPr>
+        <p:spPr>
+          <a:xfrm>
+            <a:off x="11109960" y="1453896"/>
+            <a:ext cx="574196" cy="369332"/>
+          </a:xfrm>
+          <a:prstGeom prst="rect">
+            <a:avLst/>
+          </a:prstGeom>
+          <a:noFill/>
+        </p:spPr>
+        <p:txBody>
+          <a:bodyPr wrap="none" rtlCol="0">
+            <a:spAutoFit/>
+          </a:bodyPr>
+          <a:lstStyle/>
+          <a:p>
+            <a:r>
+              <a:rPr lang="fr-FR" dirty="0" err="1" smtClean="0"/>
+              <a:t>CPU</a:t>
+            </a:r>
+            <a:endParaRPr lang="fr-FR" dirty="0"/>
+          </a:p>
+        </p:txBody>
+      </p:sp>
+      <p:sp>
+        <p:nvSpPr>
+          <p:cNvPr id="24" name="ZoneTexte 23"/>
+          <p:cNvSpPr txBox="1"/>
+          <p:nvPr/>
+        </p:nvSpPr>
+        <p:spPr>
+          <a:xfrm>
+            <a:off x="11109960" y="2743200"/>
+            <a:ext cx="473912" cy="369332"/>
+          </a:xfrm>
+          <a:prstGeom prst="rect">
+            <a:avLst/>
+          </a:prstGeom>
+          <a:noFill/>
+        </p:spPr>
+        <p:txBody>
+          <a:bodyPr wrap="none" rtlCol="0">
+            <a:spAutoFit/>
+          </a:bodyPr>
+          <a:lstStyle/>
+          <a:p>
+            <a:r>
+              <a:rPr lang="fr-FR" dirty="0" smtClean="0"/>
+              <a:t>Ext</a:t>
+            </a:r>
+            <a:endParaRPr lang="fr-FR" dirty="0"/>
+          </a:p>
+        </p:txBody>
+      </p:sp>
+      <p:cxnSp>
+        <p:nvCxnSpPr>
+          <p:cNvPr id="26" name="Connecteur droit avec flèche 25"/>
+          <p:cNvCxnSpPr/>
+          <p:nvPr/>
+        </p:nvCxnSpPr>
+        <p:spPr>
+          <a:xfrm>
+            <a:off x="1078992" y="2130552"/>
+            <a:ext cx="128016" cy="960120"/>
+          </a:xfrm>
+          <a:prstGeom prst="straightConnector1">
+            <a:avLst/>
+          </a:prstGeom>
+          <a:ln w="76200">
+            <a:tailEnd type="triangle"/>
+          </a:ln>
+        </p:spPr>
+        <p:style>
+          <a:lnRef idx="1">
+            <a:schemeClr val="accent1"/>
+          </a:lnRef>
+          <a:fillRef idx="0">
+            <a:schemeClr val="accent1"/>
+          </a:fillRef>
+          <a:effectRef idx="0">
+            <a:schemeClr val="accent1"/>
+          </a:effectRef>
+          <a:fontRef idx="minor">
+            <a:schemeClr val="tx1"/>
+          </a:fontRef>
+        </p:style>
+      </p:cxnSp>
+      <p:sp>
+        <p:nvSpPr>
+          <p:cNvPr id="27" name="Rectangle 26"/>
+          <p:cNvSpPr/>
+          <p:nvPr/>
+        </p:nvSpPr>
+        <p:spPr>
+          <a:xfrm>
+            <a:off x="1298448" y="2935224"/>
+            <a:ext cx="4187952" cy="356616"/>
+          </a:xfrm>
+          <a:prstGeom prst="rect">
+            <a:avLst/>
+          </a:prstGeom>
+        </p:spPr>
+        <p:style>
+          <a:lnRef idx="2">
+            <a:schemeClr val="accent1">
+              <a:shade val="50000"/>
+            </a:schemeClr>
+          </a:lnRef>
+          <a:fillRef idx="1">
+            <a:schemeClr val="accent1"/>
+          </a:fillRef>
+          <a:effectRef idx="0">
+            <a:schemeClr val="accent1"/>
+          </a:effectRef>
+          <a:fontRef idx="minor">
+            <a:schemeClr val="lt1"/>
+          </a:fontRef>
+        </p:style>
+        <p:txBody>
+          <a:bodyPr rtlCol="0" anchor="ctr"/>
+          <a:lstStyle/>
+          <a:p>
+            <a:pPr algn="ctr"/>
+            <a:endParaRPr lang="fr-FR"/>
+          </a:p>
+        </p:txBody>
+      </p:sp>
+      <p:cxnSp>
+        <p:nvCxnSpPr>
+          <p:cNvPr id="29" name="Connecteur droit avec flèche 28"/>
+          <p:cNvCxnSpPr/>
+          <p:nvPr/>
+        </p:nvCxnSpPr>
+        <p:spPr>
+          <a:xfrm flipV="1">
+            <a:off x="5422392" y="2130552"/>
+            <a:ext cx="137160" cy="676656"/>
+          </a:xfrm>
+          <a:prstGeom prst="straightConnector1">
+            <a:avLst/>
+          </a:prstGeom>
+          <a:ln w="76200">
+            <a:tailEnd type="triangle"/>
+          </a:ln>
+        </p:spPr>
+        <p:style>
+          <a:lnRef idx="1">
+            <a:schemeClr val="accent1"/>
+          </a:lnRef>
+          <a:fillRef idx="0">
+            <a:schemeClr val="accent1"/>
+          </a:fillRef>
+          <a:effectRef idx="0">
+            <a:schemeClr val="accent1"/>
+          </a:effectRef>
+          <a:fontRef idx="minor">
+            <a:schemeClr val="tx1"/>
+          </a:fontRef>
+        </p:style>
+      </p:cxnSp>
+      <p:cxnSp>
+        <p:nvCxnSpPr>
+          <p:cNvPr id="31" name="Connecteur droit 30"/>
+          <p:cNvCxnSpPr/>
+          <p:nvPr/>
+        </p:nvCxnSpPr>
+        <p:spPr>
+          <a:xfrm>
+            <a:off x="5559552" y="1545336"/>
+            <a:ext cx="0" cy="585216"/>
+          </a:xfrm>
+          <a:prstGeom prst="line">
+            <a:avLst/>
+          </a:prstGeom>
+          <a:ln w="76200"/>
+        </p:spPr>
+        <p:style>
+          <a:lnRef idx="1">
+            <a:schemeClr val="accent1"/>
+          </a:lnRef>
+          <a:fillRef idx="0">
+            <a:schemeClr val="accent1"/>
+          </a:fillRef>
+          <a:effectRef idx="0">
+            <a:schemeClr val="accent1"/>
+          </a:effectRef>
+          <a:fontRef idx="minor">
+            <a:schemeClr val="tx1"/>
+          </a:fontRef>
+        </p:style>
+      </p:cxnSp>
+      <p:sp>
+        <p:nvSpPr>
+          <p:cNvPr id="32" name="Rectangle 31"/>
+          <p:cNvSpPr/>
+          <p:nvPr/>
+        </p:nvSpPr>
+        <p:spPr>
+          <a:xfrm>
+            <a:off x="5586984" y="1649492"/>
+            <a:ext cx="210312" cy="347472"/>
+          </a:xfrm>
+          <a:prstGeom prst="rect">
+            <a:avLst/>
+          </a:prstGeom>
+        </p:spPr>
+        <p:style>
+          <a:lnRef idx="2">
+            <a:schemeClr val="accent6">
+              <a:shade val="50000"/>
+            </a:schemeClr>
+          </a:lnRef>
+          <a:fillRef idx="1">
+            <a:schemeClr val="accent6"/>
+          </a:fillRef>
+          <a:effectRef idx="0">
+            <a:schemeClr val="accent6"/>
+          </a:effectRef>
+          <a:fontRef idx="minor">
+            <a:schemeClr val="lt1"/>
+          </a:fontRef>
+        </p:style>
+        <p:txBody>
+          <a:bodyPr rtlCol="0" anchor="ctr"/>
+          <a:lstStyle/>
+          <a:p>
+            <a:pPr algn="ctr"/>
+            <a:endParaRPr lang="fr-FR"/>
+          </a:p>
+        </p:txBody>
+      </p:sp>
+    </p:spTree>
+    <p:extLst>
+      <p:ext uri="{BB962C8B-B14F-4D97-AF65-F5344CB8AC3E}">
+        <p14:creationId xmlns:p14="http://schemas.microsoft.com/office/powerpoint/2010/main" val="3336958423"/>
+      </p:ext>
+    </p:extLst>
+  </p:cSld>
+  <p:clrMapOvr>
+    <a:masterClrMapping/>
+  </p:clrMapOvr>
+</p:sld>
+</file>
+
+<file path=ppt/slides/slide18.xml><?xml version="1.0" encoding="utf-8"?>
+<p:sld xmlns:a="http://schemas.openxmlformats.org/drawingml/2006/main" xmlns:r="http://schemas.openxmlformats.org/officeDocument/2006/relationships" xmlns:p="http://schemas.openxmlformats.org/presentationml/2006/main">
+  <p:cSld>
+    <p:spTree>
+      <p:nvGrpSpPr>
+        <p:cNvPr id="1" name=""/>
+        <p:cNvGrpSpPr/>
+        <p:nvPr/>
+      </p:nvGrpSpPr>
+      <p:grpSpPr>
+        <a:xfrm>
+          <a:off x="0" y="0"/>
+          <a:ext cx="0" cy="0"/>
+          <a:chOff x="0" y="0"/>
+          <a:chExt cx="0" cy="0"/>
+        </a:xfrm>
+      </p:grpSpPr>
+      <p:sp>
+        <p:nvSpPr>
+          <p:cNvPr id="2" name="Titre 1"/>
+          <p:cNvSpPr>
+            <a:spLocks noGrp="1"/>
+          </p:cNvSpPr>
+          <p:nvPr>
+            <p:ph type="title"/>
+          </p:nvPr>
+        </p:nvSpPr>
+        <p:spPr/>
+        <p:txBody>
+          <a:bodyPr/>
+          <a:lstStyle/>
+          <a:p>
+            <a:r>
+              <a:rPr lang="fr-FR" dirty="0" smtClean="0"/>
+              <a:t>webographie</a:t>
+            </a:r>
+            <a:endParaRPr lang="fr-FR" dirty="0"/>
+          </a:p>
+        </p:txBody>
+      </p:sp>
+      <p:sp>
+        <p:nvSpPr>
+          <p:cNvPr id="3" name="Espace réservé du contenu 2"/>
+          <p:cNvSpPr>
+            <a:spLocks noGrp="1"/>
+          </p:cNvSpPr>
+          <p:nvPr>
+            <p:ph idx="1"/>
+          </p:nvPr>
+        </p:nvSpPr>
+        <p:spPr/>
+        <p:txBody>
+          <a:bodyPr/>
+          <a:lstStyle/>
+          <a:p>
+            <a:r>
+              <a:rPr lang="fr-FR" dirty="0">
+                <a:hlinkClick r:id="rId2"/>
+              </a:rPr>
+              <a:t>https://</a:t>
+            </a:r>
+            <a:r>
+              <a:rPr lang="fr-FR" dirty="0" err="1">
+                <a:hlinkClick r:id="rId2"/>
+              </a:rPr>
+              <a:t>rxmarbles.com</a:t>
+            </a:r>
+            <a:r>
+              <a:rPr lang="fr-FR" dirty="0">
+                <a:hlinkClick r:id="rId2"/>
+              </a:rPr>
+              <a:t>/#</a:t>
+            </a:r>
+            <a:r>
+              <a:rPr lang="fr-FR" dirty="0" err="1" smtClean="0">
+                <a:hlinkClick r:id="rId2"/>
+              </a:rPr>
+              <a:t>map</a:t>
+            </a:r>
+            <a:endParaRPr lang="fr-FR" dirty="0" smtClean="0"/>
+          </a:p>
+          <a:p>
+            <a:r>
+              <a:rPr lang="fr-FR" dirty="0">
+                <a:hlinkClick r:id="rId3"/>
+              </a:rPr>
+              <a:t>https://</a:t>
+            </a:r>
+            <a:r>
+              <a:rPr lang="fr-FR" dirty="0" err="1">
+                <a:hlinkClick r:id="rId3"/>
+              </a:rPr>
+              <a:t>rxjs.dev</a:t>
+            </a:r>
+            <a:r>
+              <a:rPr lang="fr-FR" dirty="0" smtClean="0">
+                <a:hlinkClick r:id="rId3"/>
+              </a:rPr>
+              <a:t>/</a:t>
+            </a:r>
+            <a:endParaRPr lang="fr-FR" dirty="0" smtClean="0"/>
+          </a:p>
+          <a:p>
+            <a:r>
+              <a:rPr lang="fr-FR" dirty="0">
+                <a:hlinkClick r:id="rId4"/>
+              </a:rPr>
+              <a:t>https://</a:t>
+            </a:r>
+            <a:r>
+              <a:rPr lang="fr-FR" dirty="0" err="1" smtClean="0">
+                <a:hlinkClick r:id="rId4"/>
+              </a:rPr>
+              <a:t>refactoring.guru</a:t>
+            </a:r>
+            <a:r>
+              <a:rPr lang="fr-FR" dirty="0" smtClean="0">
+                <a:hlinkClick r:id="rId4"/>
+              </a:rPr>
+              <a:t>/</a:t>
+            </a:r>
+            <a:r>
+              <a:rPr lang="fr-FR" dirty="0" err="1" smtClean="0">
+                <a:hlinkClick r:id="rId4"/>
+              </a:rPr>
+              <a:t>refactoring</a:t>
+            </a:r>
+            <a:endParaRPr lang="fr-FR" dirty="0" smtClean="0"/>
+          </a:p>
+          <a:p>
+            <a:r>
+              <a:rPr lang="fr-FR" dirty="0" smtClean="0"/>
+              <a:t>"</a:t>
+            </a:r>
+            <a:r>
+              <a:rPr lang="fr-FR" dirty="0" err="1" smtClean="0"/>
+              <a:t>css</a:t>
+            </a:r>
+            <a:r>
+              <a:rPr lang="fr-FR" dirty="0" smtClean="0"/>
+              <a:t> </a:t>
+            </a:r>
+            <a:r>
+              <a:rPr lang="fr-FR" dirty="0" err="1" smtClean="0"/>
+              <a:t>flex</a:t>
+            </a:r>
+            <a:r>
+              <a:rPr lang="fr-FR" dirty="0" smtClean="0"/>
+              <a:t> </a:t>
+            </a:r>
+            <a:r>
+              <a:rPr lang="fr-FR" dirty="0" err="1" smtClean="0"/>
+              <a:t>game</a:t>
+            </a:r>
+            <a:r>
+              <a:rPr lang="fr-FR" dirty="0" smtClean="0"/>
+              <a:t>", "</a:t>
+            </a:r>
+            <a:r>
+              <a:rPr lang="fr-FR" dirty="0" err="1" smtClean="0"/>
+              <a:t>css</a:t>
+            </a:r>
+            <a:r>
+              <a:rPr lang="fr-FR" dirty="0" smtClean="0"/>
+              <a:t> </a:t>
+            </a:r>
+            <a:r>
+              <a:rPr lang="fr-FR" dirty="0" err="1" smtClean="0"/>
+              <a:t>grid</a:t>
+            </a:r>
+            <a:r>
+              <a:rPr lang="fr-FR" dirty="0" smtClean="0"/>
+              <a:t> </a:t>
+            </a:r>
+            <a:r>
+              <a:rPr lang="fr-FR" dirty="0" err="1" smtClean="0"/>
+              <a:t>game</a:t>
+            </a:r>
+            <a:r>
+              <a:rPr lang="fr-FR" dirty="0" smtClean="0"/>
+              <a:t>", "</a:t>
+            </a:r>
+            <a:r>
+              <a:rPr lang="fr-FR" dirty="0" err="1" smtClean="0"/>
+              <a:t>ux</a:t>
+            </a:r>
+            <a:r>
+              <a:rPr lang="fr-FR" dirty="0" smtClean="0"/>
+              <a:t> lois </a:t>
+            </a:r>
+            <a:r>
+              <a:rPr lang="fr-FR" dirty="0" err="1" smtClean="0"/>
+              <a:t>github</a:t>
+            </a:r>
+            <a:r>
+              <a:rPr lang="fr-FR" dirty="0" smtClean="0"/>
+              <a:t>"</a:t>
+            </a:r>
+          </a:p>
+          <a:p>
+            <a:endParaRPr lang="fr-FR" dirty="0"/>
+          </a:p>
+        </p:txBody>
+      </p:sp>
+    </p:spTree>
+    <p:extLst>
+      <p:ext uri="{BB962C8B-B14F-4D97-AF65-F5344CB8AC3E}">
+        <p14:creationId xmlns:p14="http://schemas.microsoft.com/office/powerpoint/2010/main" val="10005456"/>
+      </p:ext>
+    </p:extLst>
+  </p:cSld>
+  <p:clrMapOvr>
+    <a:masterClrMapping/>
+  </p:clrMapOvr>
+</p:sld>
+</file>
+
+<file path=ppt/slides/slide19.xml><?xml version="1.0" encoding="utf-8"?>
+<p:sld xmlns:a="http://schemas.openxmlformats.org/drawingml/2006/main" xmlns:r="http://schemas.openxmlformats.org/officeDocument/2006/relationships" xmlns:p="http://schemas.openxmlformats.org/presentationml/2006/main">
+  <p:cSld>
+    <p:spTree>
+      <p:nvGrpSpPr>
+        <p:cNvPr id="1" name=""/>
+        <p:cNvGrpSpPr/>
+        <p:nvPr/>
+      </p:nvGrpSpPr>
+      <p:grpSpPr>
+        <a:xfrm>
+          <a:off x="0" y="0"/>
+          <a:ext cx="0" cy="0"/>
+          <a:chOff x="0" y="0"/>
+          <a:chExt cx="0" cy="0"/>
+        </a:xfrm>
+      </p:grpSpPr>
+      <p:sp>
+        <p:nvSpPr>
+          <p:cNvPr id="2" name="Titre 1"/>
+          <p:cNvSpPr>
+            <a:spLocks noGrp="1"/>
+          </p:cNvSpPr>
+          <p:nvPr>
+            <p:ph type="title"/>
+          </p:nvPr>
+        </p:nvSpPr>
+        <p:spPr/>
+        <p:txBody>
+          <a:bodyPr/>
+          <a:lstStyle/>
+          <a:p>
+            <a:r>
+              <a:rPr lang="fr-FR" dirty="0" smtClean="0"/>
+              <a:t>CORS</a:t>
+            </a:r>
+            <a:endParaRPr lang="fr-FR" dirty="0"/>
+          </a:p>
+        </p:txBody>
+      </p:sp>
+      <p:sp>
+        <p:nvSpPr>
+          <p:cNvPr id="4" name="Rectangle 3"/>
+          <p:cNvSpPr/>
+          <p:nvPr/>
+        </p:nvSpPr>
+        <p:spPr>
+          <a:xfrm>
+            <a:off x="1078992" y="3337560"/>
+            <a:ext cx="1179576" cy="768096"/>
+          </a:xfrm>
+          <a:prstGeom prst="rect">
+            <a:avLst/>
+          </a:prstGeom>
+        </p:spPr>
+        <p:style>
+          <a:lnRef idx="2">
+            <a:schemeClr val="accent1">
+              <a:shade val="50000"/>
+            </a:schemeClr>
+          </a:lnRef>
+          <a:fillRef idx="1">
+            <a:schemeClr val="accent1"/>
+          </a:fillRef>
+          <a:effectRef idx="0">
+            <a:schemeClr val="accent1"/>
+          </a:effectRef>
+          <a:fontRef idx="minor">
+            <a:schemeClr val="lt1"/>
+          </a:fontRef>
+        </p:style>
+        <p:txBody>
+          <a:bodyPr rtlCol="0" anchor="ctr"/>
+          <a:lstStyle/>
+          <a:p>
+            <a:pPr algn="ctr"/>
+            <a:r>
+              <a:rPr lang="fr-FR" dirty="0" smtClean="0"/>
+              <a:t>client</a:t>
+            </a:r>
+            <a:endParaRPr lang="fr-FR" dirty="0"/>
+          </a:p>
+        </p:txBody>
+      </p:sp>
+      <p:sp>
+        <p:nvSpPr>
+          <p:cNvPr id="5" name="Rectangle 4"/>
+          <p:cNvSpPr/>
+          <p:nvPr/>
+        </p:nvSpPr>
+        <p:spPr>
+          <a:xfrm>
+            <a:off x="5638800" y="1306640"/>
+            <a:ext cx="1179576" cy="768096"/>
+          </a:xfrm>
+          <a:prstGeom prst="rect">
+            <a:avLst/>
+          </a:prstGeom>
+        </p:spPr>
+        <p:style>
+          <a:lnRef idx="2">
+            <a:schemeClr val="accent1">
+              <a:shade val="50000"/>
+            </a:schemeClr>
+          </a:lnRef>
+          <a:fillRef idx="1">
+            <a:schemeClr val="accent1"/>
+          </a:fillRef>
+          <a:effectRef idx="0">
+            <a:schemeClr val="accent1"/>
+          </a:effectRef>
+          <a:fontRef idx="minor">
+            <a:schemeClr val="lt1"/>
+          </a:fontRef>
+        </p:style>
+        <p:txBody>
+          <a:bodyPr rtlCol="0" anchor="ctr"/>
+          <a:lstStyle/>
+          <a:p>
+            <a:pPr algn="ctr"/>
+            <a:r>
+              <a:rPr lang="fr-FR" dirty="0" err="1" smtClean="0"/>
+              <a:t>ng</a:t>
+            </a:r>
+            <a:r>
+              <a:rPr lang="fr-FR" dirty="0" smtClean="0"/>
+              <a:t> serve</a:t>
+            </a:r>
+            <a:endParaRPr lang="fr-FR" dirty="0"/>
+          </a:p>
+        </p:txBody>
+      </p:sp>
+      <p:sp>
+        <p:nvSpPr>
+          <p:cNvPr id="6" name="ZoneTexte 5"/>
+          <p:cNvSpPr txBox="1"/>
+          <p:nvPr/>
+        </p:nvSpPr>
+        <p:spPr>
+          <a:xfrm>
+            <a:off x="5477256" y="886968"/>
+            <a:ext cx="1557158" cy="369332"/>
+          </a:xfrm>
+          <a:prstGeom prst="rect">
+            <a:avLst/>
+          </a:prstGeom>
+          <a:noFill/>
+        </p:spPr>
+        <p:txBody>
+          <a:bodyPr wrap="none" rtlCol="0">
+            <a:spAutoFit/>
+          </a:bodyPr>
+          <a:lstStyle/>
+          <a:p>
+            <a:r>
+              <a:rPr lang="fr-FR" dirty="0" err="1" smtClean="0"/>
+              <a:t>localhost:4200</a:t>
+            </a:r>
+            <a:endParaRPr lang="fr-FR" dirty="0"/>
+          </a:p>
+        </p:txBody>
+      </p:sp>
+      <p:cxnSp>
+        <p:nvCxnSpPr>
+          <p:cNvPr id="8" name="Connecteur droit avec flèche 7"/>
+          <p:cNvCxnSpPr/>
+          <p:nvPr/>
+        </p:nvCxnSpPr>
+        <p:spPr>
+          <a:xfrm flipV="1">
+            <a:off x="2258568" y="1517904"/>
+            <a:ext cx="3380232" cy="1901952"/>
+          </a:xfrm>
+          <a:prstGeom prst="straightConnector1">
+            <a:avLst/>
+          </a:prstGeom>
+          <a:ln w="76200">
+            <a:tailEnd type="triangle"/>
+          </a:ln>
+        </p:spPr>
+        <p:style>
+          <a:lnRef idx="1">
+            <a:schemeClr val="accent1"/>
+          </a:lnRef>
+          <a:fillRef idx="0">
+            <a:schemeClr val="accent1"/>
+          </a:fillRef>
+          <a:effectRef idx="0">
+            <a:schemeClr val="accent1"/>
+          </a:effectRef>
+          <a:fontRef idx="minor">
+            <a:schemeClr val="tx1"/>
+          </a:fontRef>
+        </p:style>
+      </p:cxnSp>
+      <p:cxnSp>
+        <p:nvCxnSpPr>
+          <p:cNvPr id="10" name="Connecteur droit avec flèche 9"/>
+          <p:cNvCxnSpPr>
+            <a:endCxn id="4" idx="3"/>
+          </p:cNvCxnSpPr>
+          <p:nvPr/>
+        </p:nvCxnSpPr>
+        <p:spPr>
+          <a:xfrm flipH="1">
+            <a:off x="2258568" y="1920240"/>
+            <a:ext cx="3380232" cy="1801368"/>
+          </a:xfrm>
+          <a:prstGeom prst="straightConnector1">
+            <a:avLst/>
+          </a:prstGeom>
+          <a:ln w="76200">
+            <a:tailEnd type="triangle"/>
+          </a:ln>
+        </p:spPr>
+        <p:style>
+          <a:lnRef idx="1">
+            <a:schemeClr val="accent1"/>
+          </a:lnRef>
+          <a:fillRef idx="0">
+            <a:schemeClr val="accent1"/>
+          </a:fillRef>
+          <a:effectRef idx="0">
+            <a:schemeClr val="accent1"/>
+          </a:effectRef>
+          <a:fontRef idx="minor">
+            <a:schemeClr val="tx1"/>
+          </a:fontRef>
+        </p:style>
+      </p:cxnSp>
+      <p:sp>
+        <p:nvSpPr>
+          <p:cNvPr id="11" name="Rectangle 10"/>
+          <p:cNvSpPr/>
+          <p:nvPr/>
+        </p:nvSpPr>
+        <p:spPr>
+          <a:xfrm>
+            <a:off x="7720584" y="4540568"/>
+            <a:ext cx="1179576" cy="768096"/>
+          </a:xfrm>
+          <a:prstGeom prst="rect">
+            <a:avLst/>
+          </a:prstGeom>
+        </p:spPr>
+        <p:style>
+          <a:lnRef idx="2">
+            <a:schemeClr val="accent1">
+              <a:shade val="50000"/>
+            </a:schemeClr>
+          </a:lnRef>
+          <a:fillRef idx="1">
+            <a:schemeClr val="accent1"/>
+          </a:fillRef>
+          <a:effectRef idx="0">
+            <a:schemeClr val="accent1"/>
+          </a:effectRef>
+          <a:fontRef idx="minor">
+            <a:schemeClr val="lt1"/>
+          </a:fontRef>
+        </p:style>
+        <p:txBody>
+          <a:bodyPr rtlCol="0" anchor="ctr"/>
+          <a:lstStyle/>
+          <a:p>
+            <a:pPr algn="ctr"/>
+            <a:r>
+              <a:rPr lang="fr-FR" dirty="0" smtClean="0"/>
+              <a:t>back end</a:t>
+            </a:r>
+            <a:endParaRPr lang="fr-FR" dirty="0"/>
+          </a:p>
+        </p:txBody>
+      </p:sp>
+      <p:sp>
+        <p:nvSpPr>
+          <p:cNvPr id="12" name="ZoneTexte 11"/>
+          <p:cNvSpPr txBox="1"/>
+          <p:nvPr/>
+        </p:nvSpPr>
+        <p:spPr>
+          <a:xfrm>
+            <a:off x="7635240" y="4105656"/>
+            <a:ext cx="1557158" cy="369332"/>
+          </a:xfrm>
+          <a:prstGeom prst="rect">
+            <a:avLst/>
+          </a:prstGeom>
+          <a:noFill/>
+        </p:spPr>
+        <p:txBody>
+          <a:bodyPr wrap="none" rtlCol="0">
+            <a:spAutoFit/>
+          </a:bodyPr>
+          <a:lstStyle/>
+          <a:p>
+            <a:r>
+              <a:rPr lang="fr-FR" dirty="0" err="1" smtClean="0"/>
+              <a:t>localhost:3000</a:t>
+            </a:r>
+            <a:endParaRPr lang="fr-FR" dirty="0"/>
+          </a:p>
+        </p:txBody>
+      </p:sp>
+      <p:cxnSp>
+        <p:nvCxnSpPr>
+          <p:cNvPr id="14" name="Connecteur droit avec flèche 13"/>
+          <p:cNvCxnSpPr/>
+          <p:nvPr/>
+        </p:nvCxnSpPr>
+        <p:spPr>
+          <a:xfrm>
+            <a:off x="2258568" y="3840480"/>
+            <a:ext cx="5462016" cy="914400"/>
+          </a:xfrm>
+          <a:prstGeom prst="straightConnector1">
+            <a:avLst/>
+          </a:prstGeom>
+          <a:ln w="76200">
+            <a:tailEnd type="triangle"/>
+          </a:ln>
+        </p:spPr>
+        <p:style>
+          <a:lnRef idx="1">
+            <a:schemeClr val="accent1"/>
+          </a:lnRef>
+          <a:fillRef idx="0">
+            <a:schemeClr val="accent1"/>
+          </a:fillRef>
+          <a:effectRef idx="0">
+            <a:schemeClr val="accent1"/>
+          </a:effectRef>
+          <a:fontRef idx="minor">
+            <a:schemeClr val="tx1"/>
+          </a:fontRef>
+        </p:style>
+      </p:cxnSp>
+      <p:cxnSp>
+        <p:nvCxnSpPr>
+          <p:cNvPr id="16" name="Connecteur droit avec flèche 15"/>
+          <p:cNvCxnSpPr/>
+          <p:nvPr/>
+        </p:nvCxnSpPr>
+        <p:spPr>
+          <a:xfrm flipH="1" flipV="1">
+            <a:off x="2258568" y="4050578"/>
+            <a:ext cx="5462016" cy="1088350"/>
+          </a:xfrm>
+          <a:prstGeom prst="straightConnector1">
+            <a:avLst/>
+          </a:prstGeom>
+          <a:ln w="76200">
+            <a:tailEnd type="triangle"/>
+          </a:ln>
+        </p:spPr>
+        <p:style>
+          <a:lnRef idx="1">
+            <a:schemeClr val="accent1"/>
+          </a:lnRef>
+          <a:fillRef idx="0">
+            <a:schemeClr val="accent1"/>
+          </a:fillRef>
+          <a:effectRef idx="0">
+            <a:schemeClr val="accent1"/>
+          </a:effectRef>
+          <a:fontRef idx="minor">
+            <a:schemeClr val="tx1"/>
+          </a:fontRef>
+        </p:style>
+      </p:cxnSp>
+      <p:sp>
+        <p:nvSpPr>
+          <p:cNvPr id="17" name="Rectangle 16"/>
+          <p:cNvSpPr/>
+          <p:nvPr/>
+        </p:nvSpPr>
+        <p:spPr>
+          <a:xfrm>
+            <a:off x="1600200" y="3931920"/>
+            <a:ext cx="832104" cy="662833"/>
+          </a:xfrm>
+          <a:prstGeom prst="rect">
+            <a:avLst/>
+          </a:prstGeom>
+        </p:spPr>
+        <p:style>
+          <a:lnRef idx="2">
+            <a:schemeClr val="accent2">
+              <a:shade val="50000"/>
+            </a:schemeClr>
+          </a:lnRef>
+          <a:fillRef idx="1">
+            <a:schemeClr val="accent2"/>
+          </a:fillRef>
+          <a:effectRef idx="0">
+            <a:schemeClr val="accent2"/>
+          </a:effectRef>
+          <a:fontRef idx="minor">
+            <a:schemeClr val="lt1"/>
+          </a:fontRef>
+        </p:style>
+        <p:txBody>
+          <a:bodyPr rtlCol="0" anchor="ctr"/>
+          <a:lstStyle/>
+          <a:p>
+            <a:pPr algn="ctr"/>
+            <a:r>
+              <a:rPr lang="fr-FR" dirty="0" smtClean="0"/>
+              <a:t>CORS</a:t>
+            </a:r>
+            <a:endParaRPr lang="fr-FR" dirty="0"/>
+          </a:p>
+        </p:txBody>
+      </p:sp>
+    </p:spTree>
+    <p:extLst>
+      <p:ext uri="{BB962C8B-B14F-4D97-AF65-F5344CB8AC3E}">
+        <p14:creationId xmlns:p14="http://schemas.microsoft.com/office/powerpoint/2010/main" val="3202559744"/>
+      </p:ext>
+    </p:extLst>
+  </p:cSld>
+  <p:clrMapOvr>
+    <a:masterClrMapping/>
+  </p:clrMapOvr>
+</p:sld>
+</file>
+
 <file path=ppt/slides/slide2.xml><?xml version="1.0" encoding="utf-8"?>
 <p:sld xmlns:a="http://schemas.openxmlformats.org/drawingml/2006/main" xmlns:r="http://schemas.openxmlformats.org/officeDocument/2006/relationships" xmlns:p="http://schemas.openxmlformats.org/presentationml/2006/main">
   <p:cSld>
@@ -6984,6 +9722,822 @@
     <p:extLst>
       <p:ext uri="{BB962C8B-B14F-4D97-AF65-F5344CB8AC3E}">
         <p14:creationId xmlns:p14="http://schemas.microsoft.com/office/powerpoint/2010/main" val="3566017789"/>
+      </p:ext>
+    </p:extLst>
+  </p:cSld>
+  <p:clrMapOvr>
+    <a:masterClrMapping/>
+  </p:clrMapOvr>
+</p:sld>
+</file>
+
+<file path=ppt/slides/slide20.xml><?xml version="1.0" encoding="utf-8"?>
+<p:sld xmlns:a="http://schemas.openxmlformats.org/drawingml/2006/main" xmlns:r="http://schemas.openxmlformats.org/officeDocument/2006/relationships" xmlns:p="http://schemas.openxmlformats.org/presentationml/2006/main">
+  <p:cSld>
+    <p:spTree>
+      <p:nvGrpSpPr>
+        <p:cNvPr id="1" name=""/>
+        <p:cNvGrpSpPr/>
+        <p:nvPr/>
+      </p:nvGrpSpPr>
+      <p:grpSpPr>
+        <a:xfrm>
+          <a:off x="0" y="0"/>
+          <a:ext cx="0" cy="0"/>
+          <a:chOff x="0" y="0"/>
+          <a:chExt cx="0" cy="0"/>
+        </a:xfrm>
+      </p:grpSpPr>
+      <p:sp>
+        <p:nvSpPr>
+          <p:cNvPr id="2" name="Titre 1"/>
+          <p:cNvSpPr>
+            <a:spLocks noGrp="1"/>
+          </p:cNvSpPr>
+          <p:nvPr>
+            <p:ph type="title"/>
+          </p:nvPr>
+        </p:nvSpPr>
+        <p:spPr/>
+        <p:txBody>
+          <a:bodyPr/>
+          <a:lstStyle/>
+          <a:p>
+            <a:r>
+              <a:rPr lang="fr-FR" dirty="0" smtClean="0"/>
+              <a:t>Proxy</a:t>
+            </a:r>
+            <a:endParaRPr lang="fr-FR" dirty="0"/>
+          </a:p>
+        </p:txBody>
+      </p:sp>
+      <p:sp>
+        <p:nvSpPr>
+          <p:cNvPr id="4" name="Rectangle 3"/>
+          <p:cNvSpPr/>
+          <p:nvPr/>
+        </p:nvSpPr>
+        <p:spPr>
+          <a:xfrm>
+            <a:off x="1078992" y="3337560"/>
+            <a:ext cx="1179576" cy="768096"/>
+          </a:xfrm>
+          <a:prstGeom prst="rect">
+            <a:avLst/>
+          </a:prstGeom>
+        </p:spPr>
+        <p:style>
+          <a:lnRef idx="2">
+            <a:schemeClr val="accent1">
+              <a:shade val="50000"/>
+            </a:schemeClr>
+          </a:lnRef>
+          <a:fillRef idx="1">
+            <a:schemeClr val="accent1"/>
+          </a:fillRef>
+          <a:effectRef idx="0">
+            <a:schemeClr val="accent1"/>
+          </a:effectRef>
+          <a:fontRef idx="minor">
+            <a:schemeClr val="lt1"/>
+          </a:fontRef>
+        </p:style>
+        <p:txBody>
+          <a:bodyPr rtlCol="0" anchor="ctr"/>
+          <a:lstStyle/>
+          <a:p>
+            <a:pPr algn="ctr"/>
+            <a:r>
+              <a:rPr lang="fr-FR" dirty="0" smtClean="0"/>
+              <a:t>client</a:t>
+            </a:r>
+            <a:endParaRPr lang="fr-FR" dirty="0"/>
+          </a:p>
+        </p:txBody>
+      </p:sp>
+      <p:sp>
+        <p:nvSpPr>
+          <p:cNvPr id="5" name="Rectangle 4"/>
+          <p:cNvSpPr/>
+          <p:nvPr/>
+        </p:nvSpPr>
+        <p:spPr>
+          <a:xfrm>
+            <a:off x="5638800" y="1306640"/>
+            <a:ext cx="1179576" cy="768096"/>
+          </a:xfrm>
+          <a:prstGeom prst="rect">
+            <a:avLst/>
+          </a:prstGeom>
+        </p:spPr>
+        <p:style>
+          <a:lnRef idx="2">
+            <a:schemeClr val="accent1">
+              <a:shade val="50000"/>
+            </a:schemeClr>
+          </a:lnRef>
+          <a:fillRef idx="1">
+            <a:schemeClr val="accent1"/>
+          </a:fillRef>
+          <a:effectRef idx="0">
+            <a:schemeClr val="accent1"/>
+          </a:effectRef>
+          <a:fontRef idx="minor">
+            <a:schemeClr val="lt1"/>
+          </a:fontRef>
+        </p:style>
+        <p:txBody>
+          <a:bodyPr rtlCol="0" anchor="ctr"/>
+          <a:lstStyle/>
+          <a:p>
+            <a:pPr algn="ctr"/>
+            <a:r>
+              <a:rPr lang="fr-FR" dirty="0" err="1" smtClean="0"/>
+              <a:t>ng</a:t>
+            </a:r>
+            <a:r>
+              <a:rPr lang="fr-FR" dirty="0" smtClean="0"/>
+              <a:t> serve</a:t>
+            </a:r>
+            <a:endParaRPr lang="fr-FR" dirty="0"/>
+          </a:p>
+        </p:txBody>
+      </p:sp>
+      <p:sp>
+        <p:nvSpPr>
+          <p:cNvPr id="6" name="ZoneTexte 5"/>
+          <p:cNvSpPr txBox="1"/>
+          <p:nvPr/>
+        </p:nvSpPr>
+        <p:spPr>
+          <a:xfrm>
+            <a:off x="5477256" y="886968"/>
+            <a:ext cx="1557158" cy="369332"/>
+          </a:xfrm>
+          <a:prstGeom prst="rect">
+            <a:avLst/>
+          </a:prstGeom>
+          <a:noFill/>
+        </p:spPr>
+        <p:txBody>
+          <a:bodyPr wrap="none" rtlCol="0">
+            <a:spAutoFit/>
+          </a:bodyPr>
+          <a:lstStyle/>
+          <a:p>
+            <a:r>
+              <a:rPr lang="fr-FR" dirty="0" err="1" smtClean="0"/>
+              <a:t>localhost:4200</a:t>
+            </a:r>
+            <a:endParaRPr lang="fr-FR" dirty="0"/>
+          </a:p>
+        </p:txBody>
+      </p:sp>
+      <p:cxnSp>
+        <p:nvCxnSpPr>
+          <p:cNvPr id="8" name="Connecteur droit avec flèche 7"/>
+          <p:cNvCxnSpPr/>
+          <p:nvPr/>
+        </p:nvCxnSpPr>
+        <p:spPr>
+          <a:xfrm flipV="1">
+            <a:off x="2258568" y="1517904"/>
+            <a:ext cx="3380232" cy="1901952"/>
+          </a:xfrm>
+          <a:prstGeom prst="straightConnector1">
+            <a:avLst/>
+          </a:prstGeom>
+          <a:ln w="76200">
+            <a:tailEnd type="triangle"/>
+          </a:ln>
+        </p:spPr>
+        <p:style>
+          <a:lnRef idx="1">
+            <a:schemeClr val="accent1"/>
+          </a:lnRef>
+          <a:fillRef idx="0">
+            <a:schemeClr val="accent1"/>
+          </a:fillRef>
+          <a:effectRef idx="0">
+            <a:schemeClr val="accent1"/>
+          </a:effectRef>
+          <a:fontRef idx="minor">
+            <a:schemeClr val="tx1"/>
+          </a:fontRef>
+        </p:style>
+      </p:cxnSp>
+      <p:cxnSp>
+        <p:nvCxnSpPr>
+          <p:cNvPr id="10" name="Connecteur droit avec flèche 9"/>
+          <p:cNvCxnSpPr>
+            <a:endCxn id="4" idx="3"/>
+          </p:cNvCxnSpPr>
+          <p:nvPr/>
+        </p:nvCxnSpPr>
+        <p:spPr>
+          <a:xfrm flipH="1">
+            <a:off x="2258568" y="1920240"/>
+            <a:ext cx="3380232" cy="1801368"/>
+          </a:xfrm>
+          <a:prstGeom prst="straightConnector1">
+            <a:avLst/>
+          </a:prstGeom>
+          <a:ln w="76200">
+            <a:tailEnd type="triangle"/>
+          </a:ln>
+        </p:spPr>
+        <p:style>
+          <a:lnRef idx="1">
+            <a:schemeClr val="accent1"/>
+          </a:lnRef>
+          <a:fillRef idx="0">
+            <a:schemeClr val="accent1"/>
+          </a:fillRef>
+          <a:effectRef idx="0">
+            <a:schemeClr val="accent1"/>
+          </a:effectRef>
+          <a:fontRef idx="minor">
+            <a:schemeClr val="tx1"/>
+          </a:fontRef>
+        </p:style>
+      </p:cxnSp>
+      <p:sp>
+        <p:nvSpPr>
+          <p:cNvPr id="11" name="Rectangle 10"/>
+          <p:cNvSpPr/>
+          <p:nvPr/>
+        </p:nvSpPr>
+        <p:spPr>
+          <a:xfrm>
+            <a:off x="7720584" y="4540568"/>
+            <a:ext cx="1179576" cy="768096"/>
+          </a:xfrm>
+          <a:prstGeom prst="rect">
+            <a:avLst/>
+          </a:prstGeom>
+        </p:spPr>
+        <p:style>
+          <a:lnRef idx="2">
+            <a:schemeClr val="accent1">
+              <a:shade val="50000"/>
+            </a:schemeClr>
+          </a:lnRef>
+          <a:fillRef idx="1">
+            <a:schemeClr val="accent1"/>
+          </a:fillRef>
+          <a:effectRef idx="0">
+            <a:schemeClr val="accent1"/>
+          </a:effectRef>
+          <a:fontRef idx="minor">
+            <a:schemeClr val="lt1"/>
+          </a:fontRef>
+        </p:style>
+        <p:txBody>
+          <a:bodyPr rtlCol="0" anchor="ctr"/>
+          <a:lstStyle/>
+          <a:p>
+            <a:pPr algn="ctr"/>
+            <a:r>
+              <a:rPr lang="fr-FR" dirty="0" smtClean="0"/>
+              <a:t>back end</a:t>
+            </a:r>
+            <a:endParaRPr lang="fr-FR" dirty="0"/>
+          </a:p>
+        </p:txBody>
+      </p:sp>
+      <p:sp>
+        <p:nvSpPr>
+          <p:cNvPr id="12" name="ZoneTexte 11"/>
+          <p:cNvSpPr txBox="1"/>
+          <p:nvPr/>
+        </p:nvSpPr>
+        <p:spPr>
+          <a:xfrm>
+            <a:off x="7635240" y="4105656"/>
+            <a:ext cx="1557158" cy="369332"/>
+          </a:xfrm>
+          <a:prstGeom prst="rect">
+            <a:avLst/>
+          </a:prstGeom>
+          <a:noFill/>
+        </p:spPr>
+        <p:txBody>
+          <a:bodyPr wrap="none" rtlCol="0">
+            <a:spAutoFit/>
+          </a:bodyPr>
+          <a:lstStyle/>
+          <a:p>
+            <a:r>
+              <a:rPr lang="fr-FR" dirty="0" err="1" smtClean="0"/>
+              <a:t>localhost:3000</a:t>
+            </a:r>
+            <a:endParaRPr lang="fr-FR" dirty="0"/>
+          </a:p>
+        </p:txBody>
+      </p:sp>
+      <p:cxnSp>
+        <p:nvCxnSpPr>
+          <p:cNvPr id="14" name="Connecteur droit avec flèche 13"/>
+          <p:cNvCxnSpPr>
+            <a:endCxn id="12" idx="0"/>
+          </p:cNvCxnSpPr>
+          <p:nvPr/>
+        </p:nvCxnSpPr>
+        <p:spPr>
+          <a:xfrm>
+            <a:off x="6656832" y="2074736"/>
+            <a:ext cx="1756987" cy="2030920"/>
+          </a:xfrm>
+          <a:prstGeom prst="straightConnector1">
+            <a:avLst/>
+          </a:prstGeom>
+          <a:ln w="76200">
+            <a:tailEnd type="triangle"/>
+          </a:ln>
+        </p:spPr>
+        <p:style>
+          <a:lnRef idx="1">
+            <a:schemeClr val="accent1"/>
+          </a:lnRef>
+          <a:fillRef idx="0">
+            <a:schemeClr val="accent1"/>
+          </a:fillRef>
+          <a:effectRef idx="0">
+            <a:schemeClr val="accent1"/>
+          </a:effectRef>
+          <a:fontRef idx="minor">
+            <a:schemeClr val="tx1"/>
+          </a:fontRef>
+        </p:style>
+      </p:cxnSp>
+      <p:cxnSp>
+        <p:nvCxnSpPr>
+          <p:cNvPr id="16" name="Connecteur droit avec flèche 15"/>
+          <p:cNvCxnSpPr>
+            <a:endCxn id="5" idx="2"/>
+          </p:cNvCxnSpPr>
+          <p:nvPr/>
+        </p:nvCxnSpPr>
+        <p:spPr>
+          <a:xfrm flipH="1" flipV="1">
+            <a:off x="6228588" y="2074736"/>
+            <a:ext cx="1607820" cy="2030920"/>
+          </a:xfrm>
+          <a:prstGeom prst="straightConnector1">
+            <a:avLst/>
+          </a:prstGeom>
+          <a:ln w="76200">
+            <a:tailEnd type="triangle"/>
+          </a:ln>
+        </p:spPr>
+        <p:style>
+          <a:lnRef idx="1">
+            <a:schemeClr val="accent1"/>
+          </a:lnRef>
+          <a:fillRef idx="0">
+            <a:schemeClr val="accent1"/>
+          </a:fillRef>
+          <a:effectRef idx="0">
+            <a:schemeClr val="accent1"/>
+          </a:effectRef>
+          <a:fontRef idx="minor">
+            <a:schemeClr val="tx1"/>
+          </a:fontRef>
+        </p:style>
+      </p:cxnSp>
+    </p:spTree>
+    <p:extLst>
+      <p:ext uri="{BB962C8B-B14F-4D97-AF65-F5344CB8AC3E}">
+        <p14:creationId xmlns:p14="http://schemas.microsoft.com/office/powerpoint/2010/main" val="3000103149"/>
+      </p:ext>
+    </p:extLst>
+  </p:cSld>
+  <p:clrMapOvr>
+    <a:masterClrMapping/>
+  </p:clrMapOvr>
+</p:sld>
+</file>
+
+<file path=ppt/slides/slide21.xml><?xml version="1.0" encoding="utf-8"?>
+<p:sld xmlns:a="http://schemas.openxmlformats.org/drawingml/2006/main" xmlns:r="http://schemas.openxmlformats.org/officeDocument/2006/relationships" xmlns:p="http://schemas.openxmlformats.org/presentationml/2006/main">
+  <p:cSld>
+    <p:spTree>
+      <p:nvGrpSpPr>
+        <p:cNvPr id="1" name=""/>
+        <p:cNvGrpSpPr/>
+        <p:nvPr/>
+      </p:nvGrpSpPr>
+      <p:grpSpPr>
+        <a:xfrm>
+          <a:off x="0" y="0"/>
+          <a:ext cx="0" cy="0"/>
+          <a:chOff x="0" y="0"/>
+          <a:chExt cx="0" cy="0"/>
+        </a:xfrm>
+      </p:grpSpPr>
+      <p:sp>
+        <p:nvSpPr>
+          <p:cNvPr id="2" name="Titre 1"/>
+          <p:cNvSpPr>
+            <a:spLocks noGrp="1"/>
+          </p:cNvSpPr>
+          <p:nvPr>
+            <p:ph type="title"/>
+          </p:nvPr>
+        </p:nvSpPr>
+        <p:spPr/>
+        <p:txBody>
+          <a:bodyPr/>
+          <a:lstStyle/>
+          <a:p>
+            <a:r>
+              <a:rPr lang="fr-FR" dirty="0" smtClean="0"/>
+              <a:t>CI</a:t>
+            </a:r>
+            <a:endParaRPr lang="fr-FR" dirty="0"/>
+          </a:p>
+        </p:txBody>
+      </p:sp>
+      <p:sp>
+        <p:nvSpPr>
+          <p:cNvPr id="4" name="Rectangle 3"/>
+          <p:cNvSpPr/>
+          <p:nvPr/>
+        </p:nvSpPr>
+        <p:spPr>
+          <a:xfrm>
+            <a:off x="420624" y="2670048"/>
+            <a:ext cx="1399032" cy="1243584"/>
+          </a:xfrm>
+          <a:prstGeom prst="rect">
+            <a:avLst/>
+          </a:prstGeom>
+        </p:spPr>
+        <p:style>
+          <a:lnRef idx="2">
+            <a:schemeClr val="accent1">
+              <a:shade val="50000"/>
+            </a:schemeClr>
+          </a:lnRef>
+          <a:fillRef idx="1">
+            <a:schemeClr val="accent1"/>
+          </a:fillRef>
+          <a:effectRef idx="0">
+            <a:schemeClr val="accent1"/>
+          </a:effectRef>
+          <a:fontRef idx="minor">
+            <a:schemeClr val="lt1"/>
+          </a:fontRef>
+        </p:style>
+        <p:txBody>
+          <a:bodyPr rtlCol="0" anchor="ctr"/>
+          <a:lstStyle/>
+          <a:p>
+            <a:pPr algn="ctr"/>
+            <a:r>
+              <a:rPr lang="fr-FR" dirty="0" err="1" smtClean="0"/>
+              <a:t>ng</a:t>
+            </a:r>
+            <a:r>
+              <a:rPr lang="fr-FR" dirty="0" smtClean="0"/>
+              <a:t> serve</a:t>
+            </a:r>
+            <a:endParaRPr lang="fr-FR" dirty="0"/>
+          </a:p>
+        </p:txBody>
+      </p:sp>
+      <p:sp>
+        <p:nvSpPr>
+          <p:cNvPr id="5" name="Rectangle 4"/>
+          <p:cNvSpPr/>
+          <p:nvPr/>
+        </p:nvSpPr>
+        <p:spPr>
+          <a:xfrm>
+            <a:off x="2322576" y="3035808"/>
+            <a:ext cx="1115568" cy="512064"/>
+          </a:xfrm>
+          <a:prstGeom prst="rect">
+            <a:avLst/>
+          </a:prstGeom>
+        </p:spPr>
+        <p:style>
+          <a:lnRef idx="2">
+            <a:schemeClr val="accent1">
+              <a:shade val="50000"/>
+            </a:schemeClr>
+          </a:lnRef>
+          <a:fillRef idx="1">
+            <a:schemeClr val="accent1"/>
+          </a:fillRef>
+          <a:effectRef idx="0">
+            <a:schemeClr val="accent1"/>
+          </a:effectRef>
+          <a:fontRef idx="minor">
+            <a:schemeClr val="lt1"/>
+          </a:fontRef>
+        </p:style>
+        <p:txBody>
+          <a:bodyPr rtlCol="0" anchor="ctr"/>
+          <a:lstStyle/>
+          <a:p>
+            <a:pPr algn="ctr"/>
+            <a:r>
+              <a:rPr lang="fr-FR" dirty="0" err="1" smtClean="0"/>
+              <a:t>ng</a:t>
+            </a:r>
+            <a:r>
+              <a:rPr lang="fr-FR" dirty="0" smtClean="0"/>
+              <a:t> </a:t>
+            </a:r>
+            <a:r>
+              <a:rPr lang="fr-FR" dirty="0" err="1" smtClean="0"/>
+              <a:t>lint</a:t>
+            </a:r>
+            <a:endParaRPr lang="fr-FR" dirty="0"/>
+          </a:p>
+        </p:txBody>
+      </p:sp>
+      <p:sp>
+        <p:nvSpPr>
+          <p:cNvPr id="6" name="Rectangle 5"/>
+          <p:cNvSpPr/>
+          <p:nvPr/>
+        </p:nvSpPr>
+        <p:spPr>
+          <a:xfrm>
+            <a:off x="3941064" y="3035808"/>
+            <a:ext cx="1115568" cy="512064"/>
+          </a:xfrm>
+          <a:prstGeom prst="rect">
+            <a:avLst/>
+          </a:prstGeom>
+        </p:spPr>
+        <p:style>
+          <a:lnRef idx="2">
+            <a:schemeClr val="accent1">
+              <a:shade val="50000"/>
+            </a:schemeClr>
+          </a:lnRef>
+          <a:fillRef idx="1">
+            <a:schemeClr val="accent1"/>
+          </a:fillRef>
+          <a:effectRef idx="0">
+            <a:schemeClr val="accent1"/>
+          </a:effectRef>
+          <a:fontRef idx="minor">
+            <a:schemeClr val="lt1"/>
+          </a:fontRef>
+        </p:style>
+        <p:txBody>
+          <a:bodyPr rtlCol="0" anchor="ctr"/>
+          <a:lstStyle/>
+          <a:p>
+            <a:pPr algn="ctr"/>
+            <a:r>
+              <a:rPr lang="fr-FR" dirty="0" err="1" smtClean="0"/>
+              <a:t>ng</a:t>
+            </a:r>
+            <a:r>
+              <a:rPr lang="fr-FR" dirty="0" smtClean="0"/>
+              <a:t> test</a:t>
+            </a:r>
+            <a:endParaRPr lang="fr-FR" dirty="0"/>
+          </a:p>
+        </p:txBody>
+      </p:sp>
+      <p:sp>
+        <p:nvSpPr>
+          <p:cNvPr id="7" name="Rectangle 6"/>
+          <p:cNvSpPr/>
+          <p:nvPr/>
+        </p:nvSpPr>
+        <p:spPr>
+          <a:xfrm>
+            <a:off x="5465064" y="3035808"/>
+            <a:ext cx="1115568" cy="512064"/>
+          </a:xfrm>
+          <a:prstGeom prst="rect">
+            <a:avLst/>
+          </a:prstGeom>
+        </p:spPr>
+        <p:style>
+          <a:lnRef idx="2">
+            <a:schemeClr val="accent1">
+              <a:shade val="50000"/>
+            </a:schemeClr>
+          </a:lnRef>
+          <a:fillRef idx="1">
+            <a:schemeClr val="accent1"/>
+          </a:fillRef>
+          <a:effectRef idx="0">
+            <a:schemeClr val="accent1"/>
+          </a:effectRef>
+          <a:fontRef idx="minor">
+            <a:schemeClr val="lt1"/>
+          </a:fontRef>
+        </p:style>
+        <p:txBody>
+          <a:bodyPr rtlCol="0" anchor="ctr"/>
+          <a:lstStyle/>
+          <a:p>
+            <a:pPr algn="ctr"/>
+            <a:r>
+              <a:rPr lang="fr-FR" dirty="0" err="1" smtClean="0"/>
+              <a:t>ng</a:t>
+            </a:r>
+            <a:r>
+              <a:rPr lang="fr-FR" dirty="0" smtClean="0"/>
+              <a:t> </a:t>
+            </a:r>
+            <a:r>
+              <a:rPr lang="fr-FR" dirty="0" err="1" smtClean="0"/>
+              <a:t>e2e</a:t>
+            </a:r>
+            <a:endParaRPr lang="fr-FR" dirty="0"/>
+          </a:p>
+        </p:txBody>
+      </p:sp>
+      <p:sp>
+        <p:nvSpPr>
+          <p:cNvPr id="8" name="Rectangle 7"/>
+          <p:cNvSpPr/>
+          <p:nvPr/>
+        </p:nvSpPr>
+        <p:spPr>
+          <a:xfrm>
+            <a:off x="7110984" y="2670048"/>
+            <a:ext cx="1399032" cy="1243584"/>
+          </a:xfrm>
+          <a:prstGeom prst="rect">
+            <a:avLst/>
+          </a:prstGeom>
+        </p:spPr>
+        <p:style>
+          <a:lnRef idx="2">
+            <a:schemeClr val="accent1">
+              <a:shade val="50000"/>
+            </a:schemeClr>
+          </a:lnRef>
+          <a:fillRef idx="1">
+            <a:schemeClr val="accent1"/>
+          </a:fillRef>
+          <a:effectRef idx="0">
+            <a:schemeClr val="accent1"/>
+          </a:effectRef>
+          <a:fontRef idx="minor">
+            <a:schemeClr val="lt1"/>
+          </a:fontRef>
+        </p:style>
+        <p:txBody>
+          <a:bodyPr rtlCol="0" anchor="ctr"/>
+          <a:lstStyle/>
+          <a:p>
+            <a:pPr algn="ctr"/>
+            <a:r>
+              <a:rPr lang="fr-FR" dirty="0" err="1" smtClean="0"/>
+              <a:t>ng</a:t>
+            </a:r>
+            <a:r>
+              <a:rPr lang="fr-FR" dirty="0" smtClean="0"/>
+              <a:t> </a:t>
+            </a:r>
+            <a:r>
+              <a:rPr lang="fr-FR" dirty="0" err="1" smtClean="0"/>
+              <a:t>build</a:t>
+            </a:r>
+            <a:endParaRPr lang="fr-FR" dirty="0"/>
+          </a:p>
+        </p:txBody>
+      </p:sp>
+    </p:spTree>
+    <p:extLst>
+      <p:ext uri="{BB962C8B-B14F-4D97-AF65-F5344CB8AC3E}">
+        <p14:creationId xmlns:p14="http://schemas.microsoft.com/office/powerpoint/2010/main" val="361874217"/>
+      </p:ext>
+    </p:extLst>
+  </p:cSld>
+  <p:clrMapOvr>
+    <a:masterClrMapping/>
+  </p:clrMapOvr>
+</p:sld>
+</file>
+
+<file path=ppt/slides/slide22.xml><?xml version="1.0" encoding="utf-8"?>
+<p:sld xmlns:a="http://schemas.openxmlformats.org/drawingml/2006/main" xmlns:r="http://schemas.openxmlformats.org/officeDocument/2006/relationships" xmlns:p="http://schemas.openxmlformats.org/presentationml/2006/main">
+  <p:cSld>
+    <p:spTree>
+      <p:nvGrpSpPr>
+        <p:cNvPr id="1" name=""/>
+        <p:cNvGrpSpPr/>
+        <p:nvPr/>
+      </p:nvGrpSpPr>
+      <p:grpSpPr>
+        <a:xfrm>
+          <a:off x="0" y="0"/>
+          <a:ext cx="0" cy="0"/>
+          <a:chOff x="0" y="0"/>
+          <a:chExt cx="0" cy="0"/>
+        </a:xfrm>
+      </p:grpSpPr>
+      <p:sp>
+        <p:nvSpPr>
+          <p:cNvPr id="2" name="Titre 1"/>
+          <p:cNvSpPr>
+            <a:spLocks noGrp="1"/>
+          </p:cNvSpPr>
+          <p:nvPr>
+            <p:ph type="title"/>
+          </p:nvPr>
+        </p:nvSpPr>
+        <p:spPr/>
+        <p:txBody>
+          <a:bodyPr/>
+          <a:lstStyle/>
+          <a:p>
+            <a:r>
+              <a:rPr lang="fr-FR" dirty="0" smtClean="0"/>
+              <a:t>test</a:t>
+            </a:r>
+            <a:endParaRPr lang="fr-FR" dirty="0"/>
+          </a:p>
+        </p:txBody>
+      </p:sp>
+      <p:sp>
+        <p:nvSpPr>
+          <p:cNvPr id="3" name="Espace réservé du contenu 2"/>
+          <p:cNvSpPr>
+            <a:spLocks noGrp="1"/>
+          </p:cNvSpPr>
+          <p:nvPr>
+            <p:ph idx="1"/>
+          </p:nvPr>
+        </p:nvSpPr>
+        <p:spPr/>
+        <p:txBody>
+          <a:bodyPr/>
+          <a:lstStyle/>
+          <a:p>
+            <a:pPr marL="514350" indent="-514350">
+              <a:buFont typeface="+mj-lt"/>
+              <a:buAutoNum type="arabicPeriod"/>
+            </a:pPr>
+            <a:r>
+              <a:rPr lang="fr-FR" dirty="0" smtClean="0"/>
+              <a:t>all tests compile</a:t>
+            </a:r>
+          </a:p>
+          <a:p>
+            <a:pPr marL="514350" indent="-514350">
+              <a:buFont typeface="+mj-lt"/>
+              <a:buAutoNum type="arabicPeriod"/>
+            </a:pPr>
+            <a:r>
+              <a:rPr lang="fr-FR" dirty="0" smtClean="0"/>
+              <a:t>all tests </a:t>
+            </a:r>
+            <a:r>
+              <a:rPr lang="fr-FR" dirty="0" err="1" smtClean="0"/>
+              <a:t>pass</a:t>
+            </a:r>
+            <a:endParaRPr lang="fr-FR" dirty="0" smtClean="0"/>
+          </a:p>
+          <a:p>
+            <a:pPr marL="514350" indent="-514350">
+              <a:buFont typeface="+mj-lt"/>
+              <a:buAutoNum type="arabicPeriod"/>
+            </a:pPr>
+            <a:r>
+              <a:rPr lang="fr-FR" dirty="0" smtClean="0"/>
+              <a:t>all tests </a:t>
+            </a:r>
+            <a:r>
+              <a:rPr lang="fr-FR" dirty="0" err="1" smtClean="0"/>
+              <a:t>cover</a:t>
+            </a:r>
+            <a:endParaRPr lang="fr-FR" dirty="0" smtClean="0"/>
+          </a:p>
+          <a:p>
+            <a:pPr marL="514350" indent="-514350">
+              <a:buFont typeface="+mj-lt"/>
+              <a:buAutoNum type="arabicPeriod"/>
+            </a:pPr>
+            <a:r>
+              <a:rPr lang="fr-FR" dirty="0" smtClean="0"/>
+              <a:t>all tests </a:t>
+            </a:r>
+            <a:r>
+              <a:rPr lang="fr-FR" dirty="0" err="1" smtClean="0"/>
+              <a:t>functional</a:t>
+            </a:r>
+            <a:endParaRPr lang="fr-FR" dirty="0"/>
+          </a:p>
+        </p:txBody>
+      </p:sp>
+    </p:spTree>
+    <p:extLst>
+      <p:ext uri="{BB962C8B-B14F-4D97-AF65-F5344CB8AC3E}">
+        <p14:creationId xmlns:p14="http://schemas.microsoft.com/office/powerpoint/2010/main" val="1433568"/>
       </p:ext>
     </p:extLst>
   </p:cSld>
@@ -8200,8 +11754,45 @@
               <a:t>Language</a:t>
             </a:r>
             <a:r>
-              <a:rPr lang="fr-FR" smtClean="0"/>
+              <a:rPr lang="fr-FR" dirty="0" smtClean="0"/>
               <a:t> Service</a:t>
+            </a:r>
+          </a:p>
+          <a:p>
+            <a:r>
+              <a:rPr lang="fr-FR" dirty="0" err="1" smtClean="0"/>
+              <a:t>Javascript</a:t>
+            </a:r>
+            <a:r>
+              <a:rPr lang="fr-FR" dirty="0" smtClean="0"/>
+              <a:t> (</a:t>
+            </a:r>
+            <a:r>
+              <a:rPr lang="fr-FR" dirty="0" err="1" smtClean="0"/>
+              <a:t>ES6</a:t>
+            </a:r>
+            <a:r>
+              <a:rPr lang="fr-FR" dirty="0" smtClean="0"/>
+              <a:t>) </a:t>
+            </a:r>
+            <a:r>
+              <a:rPr lang="fr-FR" dirty="0" err="1" smtClean="0"/>
+              <a:t>Snippet</a:t>
+            </a:r>
+            <a:endParaRPr lang="fr-FR" dirty="0" smtClean="0"/>
+          </a:p>
+          <a:p>
+            <a:r>
+              <a:rPr lang="fr-FR" dirty="0" err="1"/>
+              <a:t>TypeScript</a:t>
+            </a:r>
+            <a:r>
+              <a:rPr lang="fr-FR" dirty="0"/>
+              <a:t> Class </a:t>
+            </a:r>
+            <a:r>
+              <a:rPr lang="fr-FR" dirty="0" err="1"/>
+              <a:t>Organizer</a:t>
             </a:r>
             <a:endParaRPr lang="fr-FR" dirty="0" smtClean="0"/>
           </a:p>
